--- a/analysis/plots/fig2_supp.pptx
+++ b/analysis/plots/fig2_supp.pptx
@@ -2,12 +2,15 @@
 <file path=ppt/presentation.xml><?xml version="1.0" encoding="utf-8"?>
 <p:presentation xmlns:a="http://schemas.openxmlformats.org/drawingml/2006/main" xmlns:r="http://schemas.openxmlformats.org/officeDocument/2006/relationships" xmlns:p="http://schemas.openxmlformats.org/presentationml/2006/main" saveSubsetFonts="1" autoCompressPictures="0">
   <p:sldMasterIdLst>
-    <p:sldMasterId id="2147483672" r:id="rId1"/>
+    <p:sldMasterId id="2147483696" r:id="rId1"/>
   </p:sldMasterIdLst>
+  <p:notesMasterIdLst>
+    <p:notesMasterId r:id="rId3"/>
+  </p:notesMasterIdLst>
   <p:sldIdLst>
     <p:sldId id="256" r:id="rId2"/>
   </p:sldIdLst>
-  <p:sldSz cx="10515600" cy="6858000"/>
+  <p:sldSz cx="8229600" cy="3657600"/>
   <p:notesSz cx="6858000" cy="9144000"/>
   <p:defaultTextStyle>
     <a:defPPr>
@@ -104,7 +107,445 @@
       </a:defRPr>
     </a:lvl9pPr>
   </p:defaultTextStyle>
+  <p:extLst>
+    <p:ext uri="{EFAFB233-063F-42B5-8137-9DF3F51BA10A}">
+      <p15:sldGuideLst xmlns:p15="http://schemas.microsoft.com/office/powerpoint/2012/main"/>
+    </p:ext>
+  </p:extLst>
 </p:presentation>
+</file>
+
+<file path=ppt/notesMasters/notesMaster1.xml><?xml version="1.0" encoding="utf-8"?>
+<p:notesMaster xmlns:a="http://schemas.openxmlformats.org/drawingml/2006/main" xmlns:r="http://schemas.openxmlformats.org/officeDocument/2006/relationships" xmlns:p="http://schemas.openxmlformats.org/presentationml/2006/main">
+  <p:cSld>
+    <p:bg>
+      <p:bgRef idx="1001">
+        <a:schemeClr val="bg1"/>
+      </p:bgRef>
+    </p:bg>
+    <p:spTree>
+      <p:nvGrpSpPr>
+        <p:cNvPr id="1" name=""/>
+        <p:cNvGrpSpPr/>
+        <p:nvPr/>
+      </p:nvGrpSpPr>
+      <p:grpSpPr>
+        <a:xfrm>
+          <a:off x="0" y="0"/>
+          <a:ext cx="0" cy="0"/>
+          <a:chOff x="0" y="0"/>
+          <a:chExt cx="0" cy="0"/>
+        </a:xfrm>
+      </p:grpSpPr>
+      <p:sp>
+        <p:nvSpPr>
+          <p:cNvPr id="2" name="Header Placeholder 1"/>
+          <p:cNvSpPr>
+            <a:spLocks noGrp="1"/>
+          </p:cNvSpPr>
+          <p:nvPr>
+            <p:ph type="hdr" sz="quarter"/>
+          </p:nvPr>
+        </p:nvSpPr>
+        <p:spPr>
+          <a:xfrm>
+            <a:off x="0" y="0"/>
+            <a:ext cx="2971800" cy="458788"/>
+          </a:xfrm>
+          <a:prstGeom prst="rect">
+            <a:avLst/>
+          </a:prstGeom>
+        </p:spPr>
+        <p:txBody>
+          <a:bodyPr vert="horz" lIns="91440" tIns="45720" rIns="91440" bIns="45720" rtlCol="0"/>
+          <a:lstStyle>
+            <a:lvl1pPr algn="l">
+              <a:defRPr sz="1200"/>
+            </a:lvl1pPr>
+          </a:lstStyle>
+          <a:p>
+            <a:endParaRPr lang="en-US"/>
+          </a:p>
+        </p:txBody>
+      </p:sp>
+      <p:sp>
+        <p:nvSpPr>
+          <p:cNvPr id="3" name="Date Placeholder 2"/>
+          <p:cNvSpPr>
+            <a:spLocks noGrp="1"/>
+          </p:cNvSpPr>
+          <p:nvPr>
+            <p:ph type="dt" idx="1"/>
+          </p:nvPr>
+        </p:nvSpPr>
+        <p:spPr>
+          <a:xfrm>
+            <a:off x="3884613" y="0"/>
+            <a:ext cx="2971800" cy="458788"/>
+          </a:xfrm>
+          <a:prstGeom prst="rect">
+            <a:avLst/>
+          </a:prstGeom>
+        </p:spPr>
+        <p:txBody>
+          <a:bodyPr vert="horz" lIns="91440" tIns="45720" rIns="91440" bIns="45720" rtlCol="0"/>
+          <a:lstStyle>
+            <a:lvl1pPr algn="r">
+              <a:defRPr sz="1200"/>
+            </a:lvl1pPr>
+          </a:lstStyle>
+          <a:p>
+            <a:fld id="{0BEC961D-8688-B54B-A8C6-0A52981A7718}" type="datetimeFigureOut">
+              <a:rPr lang="en-US" smtClean="0"/>
+              <a:t>7/29/21</a:t>
+            </a:fld>
+            <a:endParaRPr lang="en-US"/>
+          </a:p>
+        </p:txBody>
+      </p:sp>
+      <p:sp>
+        <p:nvSpPr>
+          <p:cNvPr id="4" name="Slide Image Placeholder 3"/>
+          <p:cNvSpPr>
+            <a:spLocks noGrp="1" noRot="1" noChangeAspect="1"/>
+          </p:cNvSpPr>
+          <p:nvPr>
+            <p:ph type="sldImg" idx="2"/>
+          </p:nvPr>
+        </p:nvSpPr>
+        <p:spPr>
+          <a:xfrm>
+            <a:off x="-42863" y="1143000"/>
+            <a:ext cx="6943726" cy="3086100"/>
+          </a:xfrm>
+          <a:prstGeom prst="rect">
+            <a:avLst/>
+          </a:prstGeom>
+          <a:noFill/>
+          <a:ln w="12700">
+            <a:solidFill>
+              <a:prstClr val="black"/>
+            </a:solidFill>
+          </a:ln>
+        </p:spPr>
+        <p:txBody>
+          <a:bodyPr vert="horz" lIns="91440" tIns="45720" rIns="91440" bIns="45720" rtlCol="0" anchor="ctr"/>
+          <a:lstStyle/>
+          <a:p>
+            <a:endParaRPr lang="en-US"/>
+          </a:p>
+        </p:txBody>
+      </p:sp>
+      <p:sp>
+        <p:nvSpPr>
+          <p:cNvPr id="5" name="Notes Placeholder 4"/>
+          <p:cNvSpPr>
+            <a:spLocks noGrp="1"/>
+          </p:cNvSpPr>
+          <p:nvPr>
+            <p:ph type="body" sz="quarter" idx="3"/>
+          </p:nvPr>
+        </p:nvSpPr>
+        <p:spPr>
+          <a:xfrm>
+            <a:off x="685800" y="4400550"/>
+            <a:ext cx="5486400" cy="3600450"/>
+          </a:xfrm>
+          <a:prstGeom prst="rect">
+            <a:avLst/>
+          </a:prstGeom>
+        </p:spPr>
+        <p:txBody>
+          <a:bodyPr vert="horz" lIns="91440" tIns="45720" rIns="91440" bIns="45720" rtlCol="0"/>
+          <a:lstStyle/>
+          <a:p>
+            <a:pPr lvl="0"/>
+            <a:r>
+              <a:rPr lang="en-US"/>
+              <a:t>Edit Master text styles</a:t>
+            </a:r>
+          </a:p>
+          <a:p>
+            <a:pPr lvl="1"/>
+            <a:r>
+              <a:rPr lang="en-US"/>
+              <a:t>Second level</a:t>
+            </a:r>
+          </a:p>
+          <a:p>
+            <a:pPr lvl="2"/>
+            <a:r>
+              <a:rPr lang="en-US"/>
+              <a:t>Third level</a:t>
+            </a:r>
+          </a:p>
+          <a:p>
+            <a:pPr lvl="3"/>
+            <a:r>
+              <a:rPr lang="en-US"/>
+              <a:t>Fourth level</a:t>
+            </a:r>
+          </a:p>
+          <a:p>
+            <a:pPr lvl="4"/>
+            <a:r>
+              <a:rPr lang="en-US"/>
+              <a:t>Fifth level</a:t>
+            </a:r>
+          </a:p>
+        </p:txBody>
+      </p:sp>
+      <p:sp>
+        <p:nvSpPr>
+          <p:cNvPr id="6" name="Footer Placeholder 5"/>
+          <p:cNvSpPr>
+            <a:spLocks noGrp="1"/>
+          </p:cNvSpPr>
+          <p:nvPr>
+            <p:ph type="ftr" sz="quarter" idx="4"/>
+          </p:nvPr>
+        </p:nvSpPr>
+        <p:spPr>
+          <a:xfrm>
+            <a:off x="0" y="8685213"/>
+            <a:ext cx="2971800" cy="458787"/>
+          </a:xfrm>
+          <a:prstGeom prst="rect">
+            <a:avLst/>
+          </a:prstGeom>
+        </p:spPr>
+        <p:txBody>
+          <a:bodyPr vert="horz" lIns="91440" tIns="45720" rIns="91440" bIns="45720" rtlCol="0" anchor="b"/>
+          <a:lstStyle>
+            <a:lvl1pPr algn="l">
+              <a:defRPr sz="1200"/>
+            </a:lvl1pPr>
+          </a:lstStyle>
+          <a:p>
+            <a:endParaRPr lang="en-US"/>
+          </a:p>
+        </p:txBody>
+      </p:sp>
+      <p:sp>
+        <p:nvSpPr>
+          <p:cNvPr id="7" name="Slide Number Placeholder 6"/>
+          <p:cNvSpPr>
+            <a:spLocks noGrp="1"/>
+          </p:cNvSpPr>
+          <p:nvPr>
+            <p:ph type="sldNum" sz="quarter" idx="5"/>
+          </p:nvPr>
+        </p:nvSpPr>
+        <p:spPr>
+          <a:xfrm>
+            <a:off x="3884613" y="8685213"/>
+            <a:ext cx="2971800" cy="458787"/>
+          </a:xfrm>
+          <a:prstGeom prst="rect">
+            <a:avLst/>
+          </a:prstGeom>
+        </p:spPr>
+        <p:txBody>
+          <a:bodyPr vert="horz" lIns="91440" tIns="45720" rIns="91440" bIns="45720" rtlCol="0" anchor="b"/>
+          <a:lstStyle>
+            <a:lvl1pPr algn="r">
+              <a:defRPr sz="1200"/>
+            </a:lvl1pPr>
+          </a:lstStyle>
+          <a:p>
+            <a:fld id="{94B24AB1-CA41-4E4A-A583-DD6C24BC0504}" type="slidenum">
+              <a:rPr lang="en-US" smtClean="0"/>
+              <a:t>‹#›</a:t>
+            </a:fld>
+            <a:endParaRPr lang="en-US"/>
+          </a:p>
+        </p:txBody>
+      </p:sp>
+    </p:spTree>
+    <p:extLst>
+      <p:ext uri="{BB962C8B-B14F-4D97-AF65-F5344CB8AC3E}">
+        <p14:creationId xmlns:p14="http://schemas.microsoft.com/office/powerpoint/2010/main" val="2808401492"/>
+      </p:ext>
+    </p:extLst>
+  </p:cSld>
+  <p:clrMap bg1="lt1" tx1="dk1" bg2="lt2" tx2="dk2" accent1="accent1" accent2="accent2" accent3="accent3" accent4="accent4" accent5="accent5" accent6="accent6" hlink="hlink" folHlink="folHlink"/>
+  <p:notesStyle>
+    <a:lvl1pPr marL="0" algn="l" defTabSz="914400" rtl="0" eaLnBrk="1" latinLnBrk="0" hangingPunct="1">
+      <a:defRPr sz="1200" kern="1200">
+        <a:solidFill>
+          <a:schemeClr val="tx1"/>
+        </a:solidFill>
+        <a:latin typeface="+mn-lt"/>
+        <a:ea typeface="+mn-ea"/>
+        <a:cs typeface="+mn-cs"/>
+      </a:defRPr>
+    </a:lvl1pPr>
+    <a:lvl2pPr marL="457200" algn="l" defTabSz="914400" rtl="0" eaLnBrk="1" latinLnBrk="0" hangingPunct="1">
+      <a:defRPr sz="1200" kern="1200">
+        <a:solidFill>
+          <a:schemeClr val="tx1"/>
+        </a:solidFill>
+        <a:latin typeface="+mn-lt"/>
+        <a:ea typeface="+mn-ea"/>
+        <a:cs typeface="+mn-cs"/>
+      </a:defRPr>
+    </a:lvl2pPr>
+    <a:lvl3pPr marL="914400" algn="l" defTabSz="914400" rtl="0" eaLnBrk="1" latinLnBrk="0" hangingPunct="1">
+      <a:defRPr sz="1200" kern="1200">
+        <a:solidFill>
+          <a:schemeClr val="tx1"/>
+        </a:solidFill>
+        <a:latin typeface="+mn-lt"/>
+        <a:ea typeface="+mn-ea"/>
+        <a:cs typeface="+mn-cs"/>
+      </a:defRPr>
+    </a:lvl3pPr>
+    <a:lvl4pPr marL="1371600" algn="l" defTabSz="914400" rtl="0" eaLnBrk="1" latinLnBrk="0" hangingPunct="1">
+      <a:defRPr sz="1200" kern="1200">
+        <a:solidFill>
+          <a:schemeClr val="tx1"/>
+        </a:solidFill>
+        <a:latin typeface="+mn-lt"/>
+        <a:ea typeface="+mn-ea"/>
+        <a:cs typeface="+mn-cs"/>
+      </a:defRPr>
+    </a:lvl4pPr>
+    <a:lvl5pPr marL="1828800" algn="l" defTabSz="914400" rtl="0" eaLnBrk="1" latinLnBrk="0" hangingPunct="1">
+      <a:defRPr sz="1200" kern="1200">
+        <a:solidFill>
+          <a:schemeClr val="tx1"/>
+        </a:solidFill>
+        <a:latin typeface="+mn-lt"/>
+        <a:ea typeface="+mn-ea"/>
+        <a:cs typeface="+mn-cs"/>
+      </a:defRPr>
+    </a:lvl5pPr>
+    <a:lvl6pPr marL="2286000" algn="l" defTabSz="914400" rtl="0" eaLnBrk="1" latinLnBrk="0" hangingPunct="1">
+      <a:defRPr sz="1200" kern="1200">
+        <a:solidFill>
+          <a:schemeClr val="tx1"/>
+        </a:solidFill>
+        <a:latin typeface="+mn-lt"/>
+        <a:ea typeface="+mn-ea"/>
+        <a:cs typeface="+mn-cs"/>
+      </a:defRPr>
+    </a:lvl6pPr>
+    <a:lvl7pPr marL="2743200" algn="l" defTabSz="914400" rtl="0" eaLnBrk="1" latinLnBrk="0" hangingPunct="1">
+      <a:defRPr sz="1200" kern="1200">
+        <a:solidFill>
+          <a:schemeClr val="tx1"/>
+        </a:solidFill>
+        <a:latin typeface="+mn-lt"/>
+        <a:ea typeface="+mn-ea"/>
+        <a:cs typeface="+mn-cs"/>
+      </a:defRPr>
+    </a:lvl7pPr>
+    <a:lvl8pPr marL="3200400" algn="l" defTabSz="914400" rtl="0" eaLnBrk="1" latinLnBrk="0" hangingPunct="1">
+      <a:defRPr sz="1200" kern="1200">
+        <a:solidFill>
+          <a:schemeClr val="tx1"/>
+        </a:solidFill>
+        <a:latin typeface="+mn-lt"/>
+        <a:ea typeface="+mn-ea"/>
+        <a:cs typeface="+mn-cs"/>
+      </a:defRPr>
+    </a:lvl8pPr>
+    <a:lvl9pPr marL="3657600" algn="l" defTabSz="914400" rtl="0" eaLnBrk="1" latinLnBrk="0" hangingPunct="1">
+      <a:defRPr sz="1200" kern="1200">
+        <a:solidFill>
+          <a:schemeClr val="tx1"/>
+        </a:solidFill>
+        <a:latin typeface="+mn-lt"/>
+        <a:ea typeface="+mn-ea"/>
+        <a:cs typeface="+mn-cs"/>
+      </a:defRPr>
+    </a:lvl9pPr>
+  </p:notesStyle>
+</p:notesMaster>
+</file>
+
+<file path=ppt/notesSlides/notesSlide1.xml><?xml version="1.0" encoding="utf-8"?>
+<p:notes xmlns:a="http://schemas.openxmlformats.org/drawingml/2006/main" xmlns:r="http://schemas.openxmlformats.org/officeDocument/2006/relationships" xmlns:p="http://schemas.openxmlformats.org/presentationml/2006/main">
+  <p:cSld>
+    <p:spTree>
+      <p:nvGrpSpPr>
+        <p:cNvPr id="1" name=""/>
+        <p:cNvGrpSpPr/>
+        <p:nvPr/>
+      </p:nvGrpSpPr>
+      <p:grpSpPr>
+        <a:xfrm>
+          <a:off x="0" y="0"/>
+          <a:ext cx="0" cy="0"/>
+          <a:chOff x="0" y="0"/>
+          <a:chExt cx="0" cy="0"/>
+        </a:xfrm>
+      </p:grpSpPr>
+      <p:sp>
+        <p:nvSpPr>
+          <p:cNvPr id="2" name="Slide Image Placeholder 1"/>
+          <p:cNvSpPr>
+            <a:spLocks noGrp="1" noRot="1" noChangeAspect="1"/>
+          </p:cNvSpPr>
+          <p:nvPr>
+            <p:ph type="sldImg"/>
+          </p:nvPr>
+        </p:nvSpPr>
+        <p:spPr/>
+      </p:sp>
+      <p:sp>
+        <p:nvSpPr>
+          <p:cNvPr id="3" name="Notes Placeholder 2"/>
+          <p:cNvSpPr>
+            <a:spLocks noGrp="1"/>
+          </p:cNvSpPr>
+          <p:nvPr>
+            <p:ph type="body" idx="1"/>
+          </p:nvPr>
+        </p:nvSpPr>
+        <p:spPr/>
+        <p:txBody>
+          <a:bodyPr/>
+          <a:lstStyle/>
+          <a:p>
+            <a:endParaRPr lang="en-US" dirty="0"/>
+          </a:p>
+        </p:txBody>
+      </p:sp>
+      <p:sp>
+        <p:nvSpPr>
+          <p:cNvPr id="4" name="Slide Number Placeholder 3"/>
+          <p:cNvSpPr>
+            <a:spLocks noGrp="1"/>
+          </p:cNvSpPr>
+          <p:nvPr>
+            <p:ph type="sldNum" sz="quarter" idx="5"/>
+          </p:nvPr>
+        </p:nvSpPr>
+        <p:spPr/>
+        <p:txBody>
+          <a:bodyPr/>
+          <a:lstStyle/>
+          <a:p>
+            <a:fld id="{94B24AB1-CA41-4E4A-A583-DD6C24BC0504}" type="slidenum">
+              <a:rPr lang="en-US" smtClean="0"/>
+              <a:t>1</a:t>
+            </a:fld>
+            <a:endParaRPr lang="en-US"/>
+          </a:p>
+        </p:txBody>
+      </p:sp>
+    </p:spTree>
+    <p:extLst>
+      <p:ext uri="{BB962C8B-B14F-4D97-AF65-F5344CB8AC3E}">
+        <p14:creationId xmlns:p14="http://schemas.microsoft.com/office/powerpoint/2010/main" val="2574044396"/>
+      </p:ext>
+    </p:extLst>
+  </p:cSld>
+  <p:clrMapOvr>
+    <a:masterClrMapping/>
+  </p:clrMapOvr>
+</p:notes>
 </file>
 
 <file path=ppt/slideLayouts/slideLayout1.xml><?xml version="1.0" encoding="utf-8"?>
@@ -136,15 +577,15 @@
         </p:nvSpPr>
         <p:spPr>
           <a:xfrm>
-            <a:off x="788670" y="1122363"/>
-            <a:ext cx="8938260" cy="2387600"/>
+            <a:off x="1028700" y="598593"/>
+            <a:ext cx="6172200" cy="1273387"/>
           </a:xfrm>
         </p:spPr>
         <p:txBody>
           <a:bodyPr anchor="b"/>
           <a:lstStyle>
             <a:lvl1pPr algn="ctr">
-              <a:defRPr sz="6000"/>
+              <a:defRPr sz="3200"/>
             </a:lvl1pPr>
           </a:lstStyle>
           <a:p>
@@ -168,8 +609,8 @@
         </p:nvSpPr>
         <p:spPr>
           <a:xfrm>
-            <a:off x="1314450" y="3602038"/>
-            <a:ext cx="7886700" cy="1655762"/>
+            <a:off x="1028700" y="1921087"/>
+            <a:ext cx="6172200" cy="883073"/>
           </a:xfrm>
         </p:spPr>
         <p:txBody>
@@ -177,39 +618,39 @@
           <a:lstStyle>
             <a:lvl1pPr marL="0" indent="0" algn="ctr">
               <a:buNone/>
-              <a:defRPr sz="2400"/>
+              <a:defRPr sz="1280"/>
             </a:lvl1pPr>
-            <a:lvl2pPr marL="457200" indent="0" algn="ctr">
-              <a:buNone/>
-              <a:defRPr sz="2000"/>
+            <a:lvl2pPr marL="243825" indent="0" algn="ctr">
+              <a:buNone/>
+              <a:defRPr sz="1067"/>
             </a:lvl2pPr>
-            <a:lvl3pPr marL="914400" indent="0" algn="ctr">
-              <a:buNone/>
-              <a:defRPr sz="1800"/>
+            <a:lvl3pPr marL="487650" indent="0" algn="ctr">
+              <a:buNone/>
+              <a:defRPr sz="960"/>
             </a:lvl3pPr>
-            <a:lvl4pPr marL="1371600" indent="0" algn="ctr">
-              <a:buNone/>
-              <a:defRPr sz="1600"/>
+            <a:lvl4pPr marL="731474" indent="0" algn="ctr">
+              <a:buNone/>
+              <a:defRPr sz="853"/>
             </a:lvl4pPr>
-            <a:lvl5pPr marL="1828800" indent="0" algn="ctr">
-              <a:buNone/>
-              <a:defRPr sz="1600"/>
+            <a:lvl5pPr marL="975299" indent="0" algn="ctr">
+              <a:buNone/>
+              <a:defRPr sz="853"/>
             </a:lvl5pPr>
-            <a:lvl6pPr marL="2286000" indent="0" algn="ctr">
-              <a:buNone/>
-              <a:defRPr sz="1600"/>
+            <a:lvl6pPr marL="1219124" indent="0" algn="ctr">
+              <a:buNone/>
+              <a:defRPr sz="853"/>
             </a:lvl6pPr>
-            <a:lvl7pPr marL="2743200" indent="0" algn="ctr">
-              <a:buNone/>
-              <a:defRPr sz="1600"/>
+            <a:lvl7pPr marL="1462949" indent="0" algn="ctr">
+              <a:buNone/>
+              <a:defRPr sz="853"/>
             </a:lvl7pPr>
-            <a:lvl8pPr marL="3200400" indent="0" algn="ctr">
-              <a:buNone/>
-              <a:defRPr sz="1600"/>
+            <a:lvl8pPr marL="1706773" indent="0" algn="ctr">
+              <a:buNone/>
+              <a:defRPr sz="853"/>
             </a:lvl8pPr>
-            <a:lvl9pPr marL="3657600" indent="0" algn="ctr">
-              <a:buNone/>
-              <a:defRPr sz="1600"/>
+            <a:lvl9pPr marL="1950598" indent="0" algn="ctr">
+              <a:buNone/>
+              <a:defRPr sz="853"/>
             </a:lvl9pPr>
           </a:lstStyle>
           <a:p>
@@ -238,7 +679,7 @@
           <a:p>
             <a:fld id="{5D08089A-CE66-D448-AD50-33953C9886BB}" type="datetimeFigureOut">
               <a:rPr lang="en-US" smtClean="0"/>
-              <a:t>7/20/21</a:t>
+              <a:t>7/29/21</a:t>
             </a:fld>
             <a:endParaRPr lang="en-US"/>
           </a:p>
@@ -289,7 +730,7 @@
     </p:spTree>
     <p:extLst>
       <p:ext uri="{BB962C8B-B14F-4D97-AF65-F5344CB8AC3E}">
-        <p14:creationId xmlns:p14="http://schemas.microsoft.com/office/powerpoint/2010/main" val="3323258808"/>
+        <p14:creationId xmlns:p14="http://schemas.microsoft.com/office/powerpoint/2010/main" val="1531236016"/>
       </p:ext>
     </p:extLst>
   </p:cSld>
@@ -408,7 +849,7 @@
           <a:p>
             <a:fld id="{5D08089A-CE66-D448-AD50-33953C9886BB}" type="datetimeFigureOut">
               <a:rPr lang="en-US" smtClean="0"/>
-              <a:t>7/20/21</a:t>
+              <a:t>7/29/21</a:t>
             </a:fld>
             <a:endParaRPr lang="en-US"/>
           </a:p>
@@ -459,7 +900,7 @@
     </p:spTree>
     <p:extLst>
       <p:ext uri="{BB962C8B-B14F-4D97-AF65-F5344CB8AC3E}">
-        <p14:creationId xmlns:p14="http://schemas.microsoft.com/office/powerpoint/2010/main" val="1210978908"/>
+        <p14:creationId xmlns:p14="http://schemas.microsoft.com/office/powerpoint/2010/main" val="1182322424"/>
       </p:ext>
     </p:extLst>
   </p:cSld>
@@ -498,8 +939,8 @@
         </p:nvSpPr>
         <p:spPr>
           <a:xfrm>
-            <a:off x="7525227" y="365125"/>
-            <a:ext cx="2267426" cy="5811838"/>
+            <a:off x="5889307" y="194733"/>
+            <a:ext cx="1774508" cy="3099647"/>
           </a:xfrm>
         </p:spPr>
         <p:txBody>
@@ -526,8 +967,8 @@
         </p:nvSpPr>
         <p:spPr>
           <a:xfrm>
-            <a:off x="722948" y="365125"/>
-            <a:ext cx="6670834" cy="5811838"/>
+            <a:off x="565785" y="194733"/>
+            <a:ext cx="5220653" cy="3099647"/>
           </a:xfrm>
         </p:spPr>
         <p:txBody>
@@ -588,7 +1029,7 @@
           <a:p>
             <a:fld id="{5D08089A-CE66-D448-AD50-33953C9886BB}" type="datetimeFigureOut">
               <a:rPr lang="en-US" smtClean="0"/>
-              <a:t>7/20/21</a:t>
+              <a:t>7/29/21</a:t>
             </a:fld>
             <a:endParaRPr lang="en-US"/>
           </a:p>
@@ -639,7 +1080,7 @@
     </p:spTree>
     <p:extLst>
       <p:ext uri="{BB962C8B-B14F-4D97-AF65-F5344CB8AC3E}">
-        <p14:creationId xmlns:p14="http://schemas.microsoft.com/office/powerpoint/2010/main" val="2157056632"/>
+        <p14:creationId xmlns:p14="http://schemas.microsoft.com/office/powerpoint/2010/main" val="2290778418"/>
       </p:ext>
     </p:extLst>
   </p:cSld>
@@ -758,7 +1199,7 @@
           <a:p>
             <a:fld id="{5D08089A-CE66-D448-AD50-33953C9886BB}" type="datetimeFigureOut">
               <a:rPr lang="en-US" smtClean="0"/>
-              <a:t>7/20/21</a:t>
+              <a:t>7/29/21</a:t>
             </a:fld>
             <a:endParaRPr lang="en-US"/>
           </a:p>
@@ -809,7 +1250,7 @@
     </p:spTree>
     <p:extLst>
       <p:ext uri="{BB962C8B-B14F-4D97-AF65-F5344CB8AC3E}">
-        <p14:creationId xmlns:p14="http://schemas.microsoft.com/office/powerpoint/2010/main" val="1762580706"/>
+        <p14:creationId xmlns:p14="http://schemas.microsoft.com/office/powerpoint/2010/main" val="3513326903"/>
       </p:ext>
     </p:extLst>
   </p:cSld>
@@ -848,15 +1289,15 @@
         </p:nvSpPr>
         <p:spPr>
           <a:xfrm>
-            <a:off x="717471" y="1709740"/>
-            <a:ext cx="9069705" cy="2852737"/>
+            <a:off x="561499" y="911860"/>
+            <a:ext cx="7098030" cy="1521460"/>
           </a:xfrm>
         </p:spPr>
         <p:txBody>
           <a:bodyPr anchor="b"/>
           <a:lstStyle>
             <a:lvl1pPr>
-              <a:defRPr sz="6000"/>
+              <a:defRPr sz="3200"/>
             </a:lvl1pPr>
           </a:lstStyle>
           <a:p>
@@ -880,8 +1321,8 @@
         </p:nvSpPr>
         <p:spPr>
           <a:xfrm>
-            <a:off x="717471" y="4589465"/>
-            <a:ext cx="9069705" cy="1500187"/>
+            <a:off x="561499" y="2447714"/>
+            <a:ext cx="7098030" cy="800100"/>
           </a:xfrm>
         </p:spPr>
         <p:txBody>
@@ -889,15 +1330,17 @@
           <a:lstStyle>
             <a:lvl1pPr marL="0" indent="0">
               <a:buNone/>
-              <a:defRPr sz="2400">
+              <a:defRPr sz="1280">
                 <a:solidFill>
-                  <a:schemeClr val="tx1"/>
+                  <a:schemeClr val="tx1">
+                    <a:tint val="75000"/>
+                  </a:schemeClr>
                 </a:solidFill>
               </a:defRPr>
             </a:lvl1pPr>
-            <a:lvl2pPr marL="457200" indent="0">
-              <a:buNone/>
-              <a:defRPr sz="2000">
+            <a:lvl2pPr marL="243825" indent="0">
+              <a:buNone/>
+              <a:defRPr sz="1067">
                 <a:solidFill>
                   <a:schemeClr val="tx1">
                     <a:tint val="75000"/>
@@ -905,9 +1348,9 @@
                 </a:solidFill>
               </a:defRPr>
             </a:lvl2pPr>
-            <a:lvl3pPr marL="914400" indent="0">
-              <a:buNone/>
-              <a:defRPr sz="1800">
+            <a:lvl3pPr marL="487650" indent="0">
+              <a:buNone/>
+              <a:defRPr sz="960">
                 <a:solidFill>
                   <a:schemeClr val="tx1">
                     <a:tint val="75000"/>
@@ -915,9 +1358,9 @@
                 </a:solidFill>
               </a:defRPr>
             </a:lvl3pPr>
-            <a:lvl4pPr marL="1371600" indent="0">
-              <a:buNone/>
-              <a:defRPr sz="1600">
+            <a:lvl4pPr marL="731474" indent="0">
+              <a:buNone/>
+              <a:defRPr sz="853">
                 <a:solidFill>
                   <a:schemeClr val="tx1">
                     <a:tint val="75000"/>
@@ -925,9 +1368,9 @@
                 </a:solidFill>
               </a:defRPr>
             </a:lvl4pPr>
-            <a:lvl5pPr marL="1828800" indent="0">
-              <a:buNone/>
-              <a:defRPr sz="1600">
+            <a:lvl5pPr marL="975299" indent="0">
+              <a:buNone/>
+              <a:defRPr sz="853">
                 <a:solidFill>
                   <a:schemeClr val="tx1">
                     <a:tint val="75000"/>
@@ -935,9 +1378,9 @@
                 </a:solidFill>
               </a:defRPr>
             </a:lvl5pPr>
-            <a:lvl6pPr marL="2286000" indent="0">
-              <a:buNone/>
-              <a:defRPr sz="1600">
+            <a:lvl6pPr marL="1219124" indent="0">
+              <a:buNone/>
+              <a:defRPr sz="853">
                 <a:solidFill>
                   <a:schemeClr val="tx1">
                     <a:tint val="75000"/>
@@ -945,9 +1388,9 @@
                 </a:solidFill>
               </a:defRPr>
             </a:lvl6pPr>
-            <a:lvl7pPr marL="2743200" indent="0">
-              <a:buNone/>
-              <a:defRPr sz="1600">
+            <a:lvl7pPr marL="1462949" indent="0">
+              <a:buNone/>
+              <a:defRPr sz="853">
                 <a:solidFill>
                   <a:schemeClr val="tx1">
                     <a:tint val="75000"/>
@@ -955,9 +1398,9 @@
                 </a:solidFill>
               </a:defRPr>
             </a:lvl7pPr>
-            <a:lvl8pPr marL="3200400" indent="0">
-              <a:buNone/>
-              <a:defRPr sz="1600">
+            <a:lvl8pPr marL="1706773" indent="0">
+              <a:buNone/>
+              <a:defRPr sz="853">
                 <a:solidFill>
                   <a:schemeClr val="tx1">
                     <a:tint val="75000"/>
@@ -965,9 +1408,9 @@
                 </a:solidFill>
               </a:defRPr>
             </a:lvl8pPr>
-            <a:lvl9pPr marL="3657600" indent="0">
-              <a:buNone/>
-              <a:defRPr sz="1600">
+            <a:lvl9pPr marL="1950598" indent="0">
+              <a:buNone/>
+              <a:defRPr sz="853">
                 <a:solidFill>
                   <a:schemeClr val="tx1">
                     <a:tint val="75000"/>
@@ -1002,7 +1445,7 @@
           <a:p>
             <a:fld id="{5D08089A-CE66-D448-AD50-33953C9886BB}" type="datetimeFigureOut">
               <a:rPr lang="en-US" smtClean="0"/>
-              <a:t>7/20/21</a:t>
+              <a:t>7/29/21</a:t>
             </a:fld>
             <a:endParaRPr lang="en-US"/>
           </a:p>
@@ -1053,7 +1496,7 @@
     </p:spTree>
     <p:extLst>
       <p:ext uri="{BB962C8B-B14F-4D97-AF65-F5344CB8AC3E}">
-        <p14:creationId xmlns:p14="http://schemas.microsoft.com/office/powerpoint/2010/main" val="1707828653"/>
+        <p14:creationId xmlns:p14="http://schemas.microsoft.com/office/powerpoint/2010/main" val="1013100664"/>
       </p:ext>
     </p:extLst>
   </p:cSld>
@@ -1115,8 +1558,8 @@
         </p:nvSpPr>
         <p:spPr>
           <a:xfrm>
-            <a:off x="722948" y="1825625"/>
-            <a:ext cx="4469130" cy="4351338"/>
+            <a:off x="565785" y="973666"/>
+            <a:ext cx="3497580" cy="2320714"/>
           </a:xfrm>
         </p:spPr>
         <p:txBody>
@@ -1172,8 +1615,8 @@
         </p:nvSpPr>
         <p:spPr>
           <a:xfrm>
-            <a:off x="5323523" y="1825625"/>
-            <a:ext cx="4469130" cy="4351338"/>
+            <a:off x="4166235" y="973666"/>
+            <a:ext cx="3497580" cy="2320714"/>
           </a:xfrm>
         </p:spPr>
         <p:txBody>
@@ -1234,7 +1677,7 @@
           <a:p>
             <a:fld id="{5D08089A-CE66-D448-AD50-33953C9886BB}" type="datetimeFigureOut">
               <a:rPr lang="en-US" smtClean="0"/>
-              <a:t>7/20/21</a:t>
+              <a:t>7/29/21</a:t>
             </a:fld>
             <a:endParaRPr lang="en-US"/>
           </a:p>
@@ -1285,7 +1728,7 @@
     </p:spTree>
     <p:extLst>
       <p:ext uri="{BB962C8B-B14F-4D97-AF65-F5344CB8AC3E}">
-        <p14:creationId xmlns:p14="http://schemas.microsoft.com/office/powerpoint/2010/main" val="2919714218"/>
+        <p14:creationId xmlns:p14="http://schemas.microsoft.com/office/powerpoint/2010/main" val="1210467786"/>
       </p:ext>
     </p:extLst>
   </p:cSld>
@@ -1324,8 +1767,8 @@
         </p:nvSpPr>
         <p:spPr>
           <a:xfrm>
-            <a:off x="724317" y="365127"/>
-            <a:ext cx="9069705" cy="1325563"/>
+            <a:off x="566857" y="194734"/>
+            <a:ext cx="7098030" cy="706967"/>
           </a:xfrm>
         </p:spPr>
         <p:txBody>
@@ -1352,8 +1795,8 @@
         </p:nvSpPr>
         <p:spPr>
           <a:xfrm>
-            <a:off x="724318" y="1681163"/>
-            <a:ext cx="4448591" cy="823912"/>
+            <a:off x="566857" y="896620"/>
+            <a:ext cx="3481506" cy="439420"/>
           </a:xfrm>
         </p:spPr>
         <p:txBody>
@@ -1361,39 +1804,39 @@
           <a:lstStyle>
             <a:lvl1pPr marL="0" indent="0">
               <a:buNone/>
-              <a:defRPr sz="2400" b="1"/>
+              <a:defRPr sz="1280" b="1"/>
             </a:lvl1pPr>
-            <a:lvl2pPr marL="457200" indent="0">
-              <a:buNone/>
-              <a:defRPr sz="2000" b="1"/>
+            <a:lvl2pPr marL="243825" indent="0">
+              <a:buNone/>
+              <a:defRPr sz="1067" b="1"/>
             </a:lvl2pPr>
-            <a:lvl3pPr marL="914400" indent="0">
-              <a:buNone/>
-              <a:defRPr sz="1800" b="1"/>
+            <a:lvl3pPr marL="487650" indent="0">
+              <a:buNone/>
+              <a:defRPr sz="960" b="1"/>
             </a:lvl3pPr>
-            <a:lvl4pPr marL="1371600" indent="0">
-              <a:buNone/>
-              <a:defRPr sz="1600" b="1"/>
+            <a:lvl4pPr marL="731474" indent="0">
+              <a:buNone/>
+              <a:defRPr sz="853" b="1"/>
             </a:lvl4pPr>
-            <a:lvl5pPr marL="1828800" indent="0">
-              <a:buNone/>
-              <a:defRPr sz="1600" b="1"/>
+            <a:lvl5pPr marL="975299" indent="0">
+              <a:buNone/>
+              <a:defRPr sz="853" b="1"/>
             </a:lvl5pPr>
-            <a:lvl6pPr marL="2286000" indent="0">
-              <a:buNone/>
-              <a:defRPr sz="1600" b="1"/>
+            <a:lvl6pPr marL="1219124" indent="0">
+              <a:buNone/>
+              <a:defRPr sz="853" b="1"/>
             </a:lvl6pPr>
-            <a:lvl7pPr marL="2743200" indent="0">
-              <a:buNone/>
-              <a:defRPr sz="1600" b="1"/>
+            <a:lvl7pPr marL="1462949" indent="0">
+              <a:buNone/>
+              <a:defRPr sz="853" b="1"/>
             </a:lvl7pPr>
-            <a:lvl8pPr marL="3200400" indent="0">
-              <a:buNone/>
-              <a:defRPr sz="1600" b="1"/>
+            <a:lvl8pPr marL="1706773" indent="0">
+              <a:buNone/>
+              <a:defRPr sz="853" b="1"/>
             </a:lvl8pPr>
-            <a:lvl9pPr marL="3657600" indent="0">
-              <a:buNone/>
-              <a:defRPr sz="1600" b="1"/>
+            <a:lvl9pPr marL="1950598" indent="0">
+              <a:buNone/>
+              <a:defRPr sz="853" b="1"/>
             </a:lvl9pPr>
           </a:lstStyle>
           <a:p>
@@ -1417,8 +1860,8 @@
         </p:nvSpPr>
         <p:spPr>
           <a:xfrm>
-            <a:off x="724318" y="2505075"/>
-            <a:ext cx="4448591" cy="3684588"/>
+            <a:off x="566857" y="1336040"/>
+            <a:ext cx="3481506" cy="1965114"/>
           </a:xfrm>
         </p:spPr>
         <p:txBody>
@@ -1474,8 +1917,8 @@
         </p:nvSpPr>
         <p:spPr>
           <a:xfrm>
-            <a:off x="5323523" y="1681163"/>
-            <a:ext cx="4470500" cy="823912"/>
+            <a:off x="4166235" y="896620"/>
+            <a:ext cx="3498652" cy="439420"/>
           </a:xfrm>
         </p:spPr>
         <p:txBody>
@@ -1483,39 +1926,39 @@
           <a:lstStyle>
             <a:lvl1pPr marL="0" indent="0">
               <a:buNone/>
-              <a:defRPr sz="2400" b="1"/>
+              <a:defRPr sz="1280" b="1"/>
             </a:lvl1pPr>
-            <a:lvl2pPr marL="457200" indent="0">
-              <a:buNone/>
-              <a:defRPr sz="2000" b="1"/>
+            <a:lvl2pPr marL="243825" indent="0">
+              <a:buNone/>
+              <a:defRPr sz="1067" b="1"/>
             </a:lvl2pPr>
-            <a:lvl3pPr marL="914400" indent="0">
-              <a:buNone/>
-              <a:defRPr sz="1800" b="1"/>
+            <a:lvl3pPr marL="487650" indent="0">
+              <a:buNone/>
+              <a:defRPr sz="960" b="1"/>
             </a:lvl3pPr>
-            <a:lvl4pPr marL="1371600" indent="0">
-              <a:buNone/>
-              <a:defRPr sz="1600" b="1"/>
+            <a:lvl4pPr marL="731474" indent="0">
+              <a:buNone/>
+              <a:defRPr sz="853" b="1"/>
             </a:lvl4pPr>
-            <a:lvl5pPr marL="1828800" indent="0">
-              <a:buNone/>
-              <a:defRPr sz="1600" b="1"/>
+            <a:lvl5pPr marL="975299" indent="0">
+              <a:buNone/>
+              <a:defRPr sz="853" b="1"/>
             </a:lvl5pPr>
-            <a:lvl6pPr marL="2286000" indent="0">
-              <a:buNone/>
-              <a:defRPr sz="1600" b="1"/>
+            <a:lvl6pPr marL="1219124" indent="0">
+              <a:buNone/>
+              <a:defRPr sz="853" b="1"/>
             </a:lvl6pPr>
-            <a:lvl7pPr marL="2743200" indent="0">
-              <a:buNone/>
-              <a:defRPr sz="1600" b="1"/>
+            <a:lvl7pPr marL="1462949" indent="0">
+              <a:buNone/>
+              <a:defRPr sz="853" b="1"/>
             </a:lvl7pPr>
-            <a:lvl8pPr marL="3200400" indent="0">
-              <a:buNone/>
-              <a:defRPr sz="1600" b="1"/>
+            <a:lvl8pPr marL="1706773" indent="0">
+              <a:buNone/>
+              <a:defRPr sz="853" b="1"/>
             </a:lvl8pPr>
-            <a:lvl9pPr marL="3657600" indent="0">
-              <a:buNone/>
-              <a:defRPr sz="1600" b="1"/>
+            <a:lvl9pPr marL="1950598" indent="0">
+              <a:buNone/>
+              <a:defRPr sz="853" b="1"/>
             </a:lvl9pPr>
           </a:lstStyle>
           <a:p>
@@ -1539,8 +1982,8 @@
         </p:nvSpPr>
         <p:spPr>
           <a:xfrm>
-            <a:off x="5323523" y="2505075"/>
-            <a:ext cx="4470500" cy="3684588"/>
+            <a:off x="4166235" y="1336040"/>
+            <a:ext cx="3498652" cy="1965114"/>
           </a:xfrm>
         </p:spPr>
         <p:txBody>
@@ -1601,7 +2044,7 @@
           <a:p>
             <a:fld id="{5D08089A-CE66-D448-AD50-33953C9886BB}" type="datetimeFigureOut">
               <a:rPr lang="en-US" smtClean="0"/>
-              <a:t>7/20/21</a:t>
+              <a:t>7/29/21</a:t>
             </a:fld>
             <a:endParaRPr lang="en-US"/>
           </a:p>
@@ -1652,7 +2095,7 @@
     </p:spTree>
     <p:extLst>
       <p:ext uri="{BB962C8B-B14F-4D97-AF65-F5344CB8AC3E}">
-        <p14:creationId xmlns:p14="http://schemas.microsoft.com/office/powerpoint/2010/main" val="2534565905"/>
+        <p14:creationId xmlns:p14="http://schemas.microsoft.com/office/powerpoint/2010/main" val="591717734"/>
       </p:ext>
     </p:extLst>
   </p:cSld>
@@ -1719,7 +2162,7 @@
           <a:p>
             <a:fld id="{5D08089A-CE66-D448-AD50-33953C9886BB}" type="datetimeFigureOut">
               <a:rPr lang="en-US" smtClean="0"/>
-              <a:t>7/20/21</a:t>
+              <a:t>7/29/21</a:t>
             </a:fld>
             <a:endParaRPr lang="en-US"/>
           </a:p>
@@ -1770,7 +2213,7 @@
     </p:spTree>
     <p:extLst>
       <p:ext uri="{BB962C8B-B14F-4D97-AF65-F5344CB8AC3E}">
-        <p14:creationId xmlns:p14="http://schemas.microsoft.com/office/powerpoint/2010/main" val="3686336486"/>
+        <p14:creationId xmlns:p14="http://schemas.microsoft.com/office/powerpoint/2010/main" val="3855251267"/>
       </p:ext>
     </p:extLst>
   </p:cSld>
@@ -1814,7 +2257,7 @@
           <a:p>
             <a:fld id="{5D08089A-CE66-D448-AD50-33953C9886BB}" type="datetimeFigureOut">
               <a:rPr lang="en-US" smtClean="0"/>
-              <a:t>7/20/21</a:t>
+              <a:t>7/29/21</a:t>
             </a:fld>
             <a:endParaRPr lang="en-US"/>
           </a:p>
@@ -1865,7 +2308,7 @@
     </p:spTree>
     <p:extLst>
       <p:ext uri="{BB962C8B-B14F-4D97-AF65-F5344CB8AC3E}">
-        <p14:creationId xmlns:p14="http://schemas.microsoft.com/office/powerpoint/2010/main" val="1441332771"/>
+        <p14:creationId xmlns:p14="http://schemas.microsoft.com/office/powerpoint/2010/main" val="1500709306"/>
       </p:ext>
     </p:extLst>
   </p:cSld>
@@ -1904,15 +2347,15 @@
         </p:nvSpPr>
         <p:spPr>
           <a:xfrm>
-            <a:off x="724317" y="457200"/>
-            <a:ext cx="3391555" cy="1600200"/>
+            <a:off x="566857" y="243840"/>
+            <a:ext cx="2654260" cy="853440"/>
           </a:xfrm>
         </p:spPr>
         <p:txBody>
           <a:bodyPr anchor="b"/>
           <a:lstStyle>
             <a:lvl1pPr>
-              <a:defRPr sz="3200"/>
+              <a:defRPr sz="1707"/>
             </a:lvl1pPr>
           </a:lstStyle>
           <a:p>
@@ -1936,39 +2379,39 @@
         </p:nvSpPr>
         <p:spPr>
           <a:xfrm>
-            <a:off x="4470499" y="987427"/>
-            <a:ext cx="5323523" cy="4873625"/>
+            <a:off x="3498652" y="526627"/>
+            <a:ext cx="4166235" cy="2599267"/>
           </a:xfrm>
         </p:spPr>
         <p:txBody>
           <a:bodyPr/>
           <a:lstStyle>
             <a:lvl1pPr>
-              <a:defRPr sz="3200"/>
+              <a:defRPr sz="1707"/>
             </a:lvl1pPr>
             <a:lvl2pPr>
-              <a:defRPr sz="2800"/>
+              <a:defRPr sz="1493"/>
             </a:lvl2pPr>
             <a:lvl3pPr>
-              <a:defRPr sz="2400"/>
+              <a:defRPr sz="1280"/>
             </a:lvl3pPr>
             <a:lvl4pPr>
-              <a:defRPr sz="2000"/>
+              <a:defRPr sz="1067"/>
             </a:lvl4pPr>
             <a:lvl5pPr>
-              <a:defRPr sz="2000"/>
+              <a:defRPr sz="1067"/>
             </a:lvl5pPr>
             <a:lvl6pPr>
-              <a:defRPr sz="2000"/>
+              <a:defRPr sz="1067"/>
             </a:lvl6pPr>
             <a:lvl7pPr>
-              <a:defRPr sz="2000"/>
+              <a:defRPr sz="1067"/>
             </a:lvl7pPr>
             <a:lvl8pPr>
-              <a:defRPr sz="2000"/>
+              <a:defRPr sz="1067"/>
             </a:lvl8pPr>
             <a:lvl9pPr>
-              <a:defRPr sz="2000"/>
+              <a:defRPr sz="1067"/>
             </a:lvl9pPr>
           </a:lstStyle>
           <a:p>
@@ -2021,8 +2464,8 @@
         </p:nvSpPr>
         <p:spPr>
           <a:xfrm>
-            <a:off x="724317" y="2057400"/>
-            <a:ext cx="3391555" cy="3811588"/>
+            <a:off x="566857" y="1097280"/>
+            <a:ext cx="2654260" cy="2032847"/>
           </a:xfrm>
         </p:spPr>
         <p:txBody>
@@ -2030,39 +2473,39 @@
           <a:lstStyle>
             <a:lvl1pPr marL="0" indent="0">
               <a:buNone/>
-              <a:defRPr sz="1600"/>
+              <a:defRPr sz="853"/>
             </a:lvl1pPr>
-            <a:lvl2pPr marL="457200" indent="0">
-              <a:buNone/>
-              <a:defRPr sz="1400"/>
+            <a:lvl2pPr marL="243825" indent="0">
+              <a:buNone/>
+              <a:defRPr sz="747"/>
             </a:lvl2pPr>
-            <a:lvl3pPr marL="914400" indent="0">
-              <a:buNone/>
-              <a:defRPr sz="1200"/>
+            <a:lvl3pPr marL="487650" indent="0">
+              <a:buNone/>
+              <a:defRPr sz="640"/>
             </a:lvl3pPr>
-            <a:lvl4pPr marL="1371600" indent="0">
-              <a:buNone/>
-              <a:defRPr sz="1000"/>
+            <a:lvl4pPr marL="731474" indent="0">
+              <a:buNone/>
+              <a:defRPr sz="533"/>
             </a:lvl4pPr>
-            <a:lvl5pPr marL="1828800" indent="0">
-              <a:buNone/>
-              <a:defRPr sz="1000"/>
+            <a:lvl5pPr marL="975299" indent="0">
+              <a:buNone/>
+              <a:defRPr sz="533"/>
             </a:lvl5pPr>
-            <a:lvl6pPr marL="2286000" indent="0">
-              <a:buNone/>
-              <a:defRPr sz="1000"/>
+            <a:lvl6pPr marL="1219124" indent="0">
+              <a:buNone/>
+              <a:defRPr sz="533"/>
             </a:lvl6pPr>
-            <a:lvl7pPr marL="2743200" indent="0">
-              <a:buNone/>
-              <a:defRPr sz="1000"/>
+            <a:lvl7pPr marL="1462949" indent="0">
+              <a:buNone/>
+              <a:defRPr sz="533"/>
             </a:lvl7pPr>
-            <a:lvl8pPr marL="3200400" indent="0">
-              <a:buNone/>
-              <a:defRPr sz="1000"/>
+            <a:lvl8pPr marL="1706773" indent="0">
+              <a:buNone/>
+              <a:defRPr sz="533"/>
             </a:lvl8pPr>
-            <a:lvl9pPr marL="3657600" indent="0">
-              <a:buNone/>
-              <a:defRPr sz="1000"/>
+            <a:lvl9pPr marL="1950598" indent="0">
+              <a:buNone/>
+              <a:defRPr sz="533"/>
             </a:lvl9pPr>
           </a:lstStyle>
           <a:p>
@@ -2091,7 +2534,7 @@
           <a:p>
             <a:fld id="{5D08089A-CE66-D448-AD50-33953C9886BB}" type="datetimeFigureOut">
               <a:rPr lang="en-US" smtClean="0"/>
-              <a:t>7/20/21</a:t>
+              <a:t>7/29/21</a:t>
             </a:fld>
             <a:endParaRPr lang="en-US"/>
           </a:p>
@@ -2142,7 +2585,7 @@
     </p:spTree>
     <p:extLst>
       <p:ext uri="{BB962C8B-B14F-4D97-AF65-F5344CB8AC3E}">
-        <p14:creationId xmlns:p14="http://schemas.microsoft.com/office/powerpoint/2010/main" val="2821767979"/>
+        <p14:creationId xmlns:p14="http://schemas.microsoft.com/office/powerpoint/2010/main" val="2001543623"/>
       </p:ext>
     </p:extLst>
   </p:cSld>
@@ -2181,15 +2624,15 @@
         </p:nvSpPr>
         <p:spPr>
           <a:xfrm>
-            <a:off x="724317" y="457200"/>
-            <a:ext cx="3391555" cy="1600200"/>
+            <a:off x="566857" y="243840"/>
+            <a:ext cx="2654260" cy="853440"/>
           </a:xfrm>
         </p:spPr>
         <p:txBody>
           <a:bodyPr anchor="b"/>
           <a:lstStyle>
             <a:lvl1pPr>
-              <a:defRPr sz="3200"/>
+              <a:defRPr sz="1707"/>
             </a:lvl1pPr>
           </a:lstStyle>
           <a:p>
@@ -2213,8 +2656,8 @@
         </p:nvSpPr>
         <p:spPr>
           <a:xfrm>
-            <a:off x="4470499" y="987427"/>
-            <a:ext cx="5323523" cy="4873625"/>
+            <a:off x="3498652" y="526627"/>
+            <a:ext cx="4166235" cy="2599267"/>
           </a:xfrm>
         </p:spPr>
         <p:txBody>
@@ -2222,39 +2665,39 @@
           <a:lstStyle>
             <a:lvl1pPr marL="0" indent="0">
               <a:buNone/>
-              <a:defRPr sz="3200"/>
+              <a:defRPr sz="1707"/>
             </a:lvl1pPr>
-            <a:lvl2pPr marL="457200" indent="0">
-              <a:buNone/>
-              <a:defRPr sz="2800"/>
+            <a:lvl2pPr marL="243825" indent="0">
+              <a:buNone/>
+              <a:defRPr sz="1493"/>
             </a:lvl2pPr>
-            <a:lvl3pPr marL="914400" indent="0">
-              <a:buNone/>
-              <a:defRPr sz="2400"/>
+            <a:lvl3pPr marL="487650" indent="0">
+              <a:buNone/>
+              <a:defRPr sz="1280"/>
             </a:lvl3pPr>
-            <a:lvl4pPr marL="1371600" indent="0">
-              <a:buNone/>
-              <a:defRPr sz="2000"/>
+            <a:lvl4pPr marL="731474" indent="0">
+              <a:buNone/>
+              <a:defRPr sz="1067"/>
             </a:lvl4pPr>
-            <a:lvl5pPr marL="1828800" indent="0">
-              <a:buNone/>
-              <a:defRPr sz="2000"/>
+            <a:lvl5pPr marL="975299" indent="0">
+              <a:buNone/>
+              <a:defRPr sz="1067"/>
             </a:lvl5pPr>
-            <a:lvl6pPr marL="2286000" indent="0">
-              <a:buNone/>
-              <a:defRPr sz="2000"/>
+            <a:lvl6pPr marL="1219124" indent="0">
+              <a:buNone/>
+              <a:defRPr sz="1067"/>
             </a:lvl6pPr>
-            <a:lvl7pPr marL="2743200" indent="0">
-              <a:buNone/>
-              <a:defRPr sz="2000"/>
+            <a:lvl7pPr marL="1462949" indent="0">
+              <a:buNone/>
+              <a:defRPr sz="1067"/>
             </a:lvl7pPr>
-            <a:lvl8pPr marL="3200400" indent="0">
-              <a:buNone/>
-              <a:defRPr sz="2000"/>
+            <a:lvl8pPr marL="1706773" indent="0">
+              <a:buNone/>
+              <a:defRPr sz="1067"/>
             </a:lvl8pPr>
-            <a:lvl9pPr marL="3657600" indent="0">
-              <a:buNone/>
-              <a:defRPr sz="2000"/>
+            <a:lvl9pPr marL="1950598" indent="0">
+              <a:buNone/>
+              <a:defRPr sz="1067"/>
             </a:lvl9pPr>
           </a:lstStyle>
           <a:p>
@@ -2278,8 +2721,8 @@
         </p:nvSpPr>
         <p:spPr>
           <a:xfrm>
-            <a:off x="724317" y="2057400"/>
-            <a:ext cx="3391555" cy="3811588"/>
+            <a:off x="566857" y="1097280"/>
+            <a:ext cx="2654260" cy="2032847"/>
           </a:xfrm>
         </p:spPr>
         <p:txBody>
@@ -2287,39 +2730,39 @@
           <a:lstStyle>
             <a:lvl1pPr marL="0" indent="0">
               <a:buNone/>
-              <a:defRPr sz="1600"/>
+              <a:defRPr sz="853"/>
             </a:lvl1pPr>
-            <a:lvl2pPr marL="457200" indent="0">
-              <a:buNone/>
-              <a:defRPr sz="1400"/>
+            <a:lvl2pPr marL="243825" indent="0">
+              <a:buNone/>
+              <a:defRPr sz="747"/>
             </a:lvl2pPr>
-            <a:lvl3pPr marL="914400" indent="0">
-              <a:buNone/>
-              <a:defRPr sz="1200"/>
+            <a:lvl3pPr marL="487650" indent="0">
+              <a:buNone/>
+              <a:defRPr sz="640"/>
             </a:lvl3pPr>
-            <a:lvl4pPr marL="1371600" indent="0">
-              <a:buNone/>
-              <a:defRPr sz="1000"/>
+            <a:lvl4pPr marL="731474" indent="0">
+              <a:buNone/>
+              <a:defRPr sz="533"/>
             </a:lvl4pPr>
-            <a:lvl5pPr marL="1828800" indent="0">
-              <a:buNone/>
-              <a:defRPr sz="1000"/>
+            <a:lvl5pPr marL="975299" indent="0">
+              <a:buNone/>
+              <a:defRPr sz="533"/>
             </a:lvl5pPr>
-            <a:lvl6pPr marL="2286000" indent="0">
-              <a:buNone/>
-              <a:defRPr sz="1000"/>
+            <a:lvl6pPr marL="1219124" indent="0">
+              <a:buNone/>
+              <a:defRPr sz="533"/>
             </a:lvl6pPr>
-            <a:lvl7pPr marL="2743200" indent="0">
-              <a:buNone/>
-              <a:defRPr sz="1000"/>
+            <a:lvl7pPr marL="1462949" indent="0">
+              <a:buNone/>
+              <a:defRPr sz="533"/>
             </a:lvl7pPr>
-            <a:lvl8pPr marL="3200400" indent="0">
-              <a:buNone/>
-              <a:defRPr sz="1000"/>
+            <a:lvl8pPr marL="1706773" indent="0">
+              <a:buNone/>
+              <a:defRPr sz="533"/>
             </a:lvl8pPr>
-            <a:lvl9pPr marL="3657600" indent="0">
-              <a:buNone/>
-              <a:defRPr sz="1000"/>
+            <a:lvl9pPr marL="1950598" indent="0">
+              <a:buNone/>
+              <a:defRPr sz="533"/>
             </a:lvl9pPr>
           </a:lstStyle>
           <a:p>
@@ -2348,7 +2791,7 @@
           <a:p>
             <a:fld id="{5D08089A-CE66-D448-AD50-33953C9886BB}" type="datetimeFigureOut">
               <a:rPr lang="en-US" smtClean="0"/>
-              <a:t>7/20/21</a:t>
+              <a:t>7/29/21</a:t>
             </a:fld>
             <a:endParaRPr lang="en-US"/>
           </a:p>
@@ -2399,7 +2842,7 @@
     </p:spTree>
     <p:extLst>
       <p:ext uri="{BB962C8B-B14F-4D97-AF65-F5344CB8AC3E}">
-        <p14:creationId xmlns:p14="http://schemas.microsoft.com/office/powerpoint/2010/main" val="1020498367"/>
+        <p14:creationId xmlns:p14="http://schemas.microsoft.com/office/powerpoint/2010/main" val="3649317818"/>
       </p:ext>
     </p:extLst>
   </p:cSld>
@@ -2443,8 +2886,8 @@
         </p:nvSpPr>
         <p:spPr>
           <a:xfrm>
-            <a:off x="722948" y="365127"/>
-            <a:ext cx="9069705" cy="1325563"/>
+            <a:off x="565785" y="194734"/>
+            <a:ext cx="7098030" cy="706967"/>
           </a:xfrm>
           <a:prstGeom prst="rect">
             <a:avLst/>
@@ -2476,8 +2919,8 @@
         </p:nvSpPr>
         <p:spPr>
           <a:xfrm>
-            <a:off x="722948" y="1825625"/>
-            <a:ext cx="9069705" cy="4351338"/>
+            <a:off x="565785" y="973666"/>
+            <a:ext cx="7098030" cy="2320714"/>
           </a:xfrm>
           <a:prstGeom prst="rect">
             <a:avLst/>
@@ -2538,8 +2981,8 @@
         </p:nvSpPr>
         <p:spPr>
           <a:xfrm>
-            <a:off x="722948" y="6356352"/>
-            <a:ext cx="2366010" cy="365125"/>
+            <a:off x="565785" y="3390054"/>
+            <a:ext cx="1851660" cy="194733"/>
           </a:xfrm>
           <a:prstGeom prst="rect">
             <a:avLst/>
@@ -2549,7 +2992,7 @@
           <a:bodyPr vert="horz" lIns="91440" tIns="45720" rIns="91440" bIns="45720" rtlCol="0" anchor="ctr"/>
           <a:lstStyle>
             <a:lvl1pPr algn="l">
-              <a:defRPr sz="1200">
+              <a:defRPr sz="640">
                 <a:solidFill>
                   <a:schemeClr val="tx1">
                     <a:tint val="75000"/>
@@ -2561,7 +3004,7 @@
           <a:p>
             <a:fld id="{5D08089A-CE66-D448-AD50-33953C9886BB}" type="datetimeFigureOut">
               <a:rPr lang="en-US" smtClean="0"/>
-              <a:t>7/20/21</a:t>
+              <a:t>7/29/21</a:t>
             </a:fld>
             <a:endParaRPr lang="en-US"/>
           </a:p>
@@ -2579,8 +3022,8 @@
         </p:nvSpPr>
         <p:spPr>
           <a:xfrm>
-            <a:off x="3483293" y="6356352"/>
-            <a:ext cx="3549015" cy="365125"/>
+            <a:off x="2726055" y="3390054"/>
+            <a:ext cx="2777490" cy="194733"/>
           </a:xfrm>
           <a:prstGeom prst="rect">
             <a:avLst/>
@@ -2590,7 +3033,7 @@
           <a:bodyPr vert="horz" lIns="91440" tIns="45720" rIns="91440" bIns="45720" rtlCol="0" anchor="ctr"/>
           <a:lstStyle>
             <a:lvl1pPr algn="ctr">
-              <a:defRPr sz="1200">
+              <a:defRPr sz="640">
                 <a:solidFill>
                   <a:schemeClr val="tx1">
                     <a:tint val="75000"/>
@@ -2616,8 +3059,8 @@
         </p:nvSpPr>
         <p:spPr>
           <a:xfrm>
-            <a:off x="7426643" y="6356352"/>
-            <a:ext cx="2366010" cy="365125"/>
+            <a:off x="5812155" y="3390054"/>
+            <a:ext cx="1851660" cy="194733"/>
           </a:xfrm>
           <a:prstGeom prst="rect">
             <a:avLst/>
@@ -2627,7 +3070,7 @@
           <a:bodyPr vert="horz" lIns="91440" tIns="45720" rIns="91440" bIns="45720" rtlCol="0" anchor="ctr"/>
           <a:lstStyle>
             <a:lvl1pPr algn="r">
-              <a:defRPr sz="1200">
+              <a:defRPr sz="640">
                 <a:solidFill>
                   <a:schemeClr val="tx1">
                     <a:tint val="75000"/>
@@ -2648,27 +3091,27 @@
     </p:spTree>
     <p:extLst>
       <p:ext uri="{BB962C8B-B14F-4D97-AF65-F5344CB8AC3E}">
-        <p14:creationId xmlns:p14="http://schemas.microsoft.com/office/powerpoint/2010/main" val="2248669076"/>
+        <p14:creationId xmlns:p14="http://schemas.microsoft.com/office/powerpoint/2010/main" val="1121181660"/>
       </p:ext>
     </p:extLst>
   </p:cSld>
   <p:clrMap bg1="lt1" tx1="dk1" bg2="lt2" tx2="dk2" accent1="accent1" accent2="accent2" accent3="accent3" accent4="accent4" accent5="accent5" accent6="accent6" hlink="hlink" folHlink="folHlink"/>
   <p:sldLayoutIdLst>
-    <p:sldLayoutId id="2147483673" r:id="rId1"/>
-    <p:sldLayoutId id="2147483674" r:id="rId2"/>
-    <p:sldLayoutId id="2147483675" r:id="rId3"/>
-    <p:sldLayoutId id="2147483676" r:id="rId4"/>
-    <p:sldLayoutId id="2147483677" r:id="rId5"/>
-    <p:sldLayoutId id="2147483678" r:id="rId6"/>
-    <p:sldLayoutId id="2147483679" r:id="rId7"/>
-    <p:sldLayoutId id="2147483680" r:id="rId8"/>
-    <p:sldLayoutId id="2147483681" r:id="rId9"/>
-    <p:sldLayoutId id="2147483682" r:id="rId10"/>
-    <p:sldLayoutId id="2147483683" r:id="rId11"/>
+    <p:sldLayoutId id="2147483697" r:id="rId1"/>
+    <p:sldLayoutId id="2147483698" r:id="rId2"/>
+    <p:sldLayoutId id="2147483699" r:id="rId3"/>
+    <p:sldLayoutId id="2147483700" r:id="rId4"/>
+    <p:sldLayoutId id="2147483701" r:id="rId5"/>
+    <p:sldLayoutId id="2147483702" r:id="rId6"/>
+    <p:sldLayoutId id="2147483703" r:id="rId7"/>
+    <p:sldLayoutId id="2147483704" r:id="rId8"/>
+    <p:sldLayoutId id="2147483705" r:id="rId9"/>
+    <p:sldLayoutId id="2147483706" r:id="rId10"/>
+    <p:sldLayoutId id="2147483707" r:id="rId11"/>
   </p:sldLayoutIdLst>
   <p:txStyles>
     <p:titleStyle>
-      <a:lvl1pPr algn="l" defTabSz="914400" rtl="0" eaLnBrk="1" latinLnBrk="0" hangingPunct="1">
+      <a:lvl1pPr algn="l" defTabSz="487650" rtl="0" eaLnBrk="1" latinLnBrk="0" hangingPunct="1">
         <a:lnSpc>
           <a:spcPct val="90000"/>
         </a:lnSpc>
@@ -2676,7 +3119,7 @@
           <a:spcPct val="0"/>
         </a:spcBef>
         <a:buNone/>
-        <a:defRPr sz="4400" kern="1200">
+        <a:defRPr sz="2347" kern="1200">
           <a:solidFill>
             <a:schemeClr val="tx1"/>
           </a:solidFill>
@@ -2687,16 +3130,16 @@
       </a:lvl1pPr>
     </p:titleStyle>
     <p:bodyStyle>
-      <a:lvl1pPr marL="228600" indent="-228600" algn="l" defTabSz="914400" rtl="0" eaLnBrk="1" latinLnBrk="0" hangingPunct="1">
+      <a:lvl1pPr marL="121912" indent="-121912" algn="l" defTabSz="487650" rtl="0" eaLnBrk="1" latinLnBrk="0" hangingPunct="1">
         <a:lnSpc>
           <a:spcPct val="90000"/>
         </a:lnSpc>
         <a:spcBef>
-          <a:spcPts val="1000"/>
+          <a:spcPts val="533"/>
         </a:spcBef>
         <a:buFont typeface="Arial" panose="020B0604020202020204" pitchFamily="34" charset="0"/>
         <a:buChar char="•"/>
-        <a:defRPr sz="2800" kern="1200">
+        <a:defRPr sz="1493" kern="1200">
           <a:solidFill>
             <a:schemeClr val="tx1"/>
           </a:solidFill>
@@ -2705,16 +3148,16 @@
           <a:cs typeface="+mn-cs"/>
         </a:defRPr>
       </a:lvl1pPr>
-      <a:lvl2pPr marL="685800" indent="-228600" algn="l" defTabSz="914400" rtl="0" eaLnBrk="1" latinLnBrk="0" hangingPunct="1">
+      <a:lvl2pPr marL="365737" indent="-121912" algn="l" defTabSz="487650" rtl="0" eaLnBrk="1" latinLnBrk="0" hangingPunct="1">
         <a:lnSpc>
           <a:spcPct val="90000"/>
         </a:lnSpc>
         <a:spcBef>
-          <a:spcPts val="500"/>
+          <a:spcPts val="267"/>
         </a:spcBef>
         <a:buFont typeface="Arial" panose="020B0604020202020204" pitchFamily="34" charset="0"/>
         <a:buChar char="•"/>
-        <a:defRPr sz="2400" kern="1200">
+        <a:defRPr sz="1280" kern="1200">
           <a:solidFill>
             <a:schemeClr val="tx1"/>
           </a:solidFill>
@@ -2723,16 +3166,16 @@
           <a:cs typeface="+mn-cs"/>
         </a:defRPr>
       </a:lvl2pPr>
-      <a:lvl3pPr marL="1143000" indent="-228600" algn="l" defTabSz="914400" rtl="0" eaLnBrk="1" latinLnBrk="0" hangingPunct="1">
+      <a:lvl3pPr marL="609562" indent="-121912" algn="l" defTabSz="487650" rtl="0" eaLnBrk="1" latinLnBrk="0" hangingPunct="1">
         <a:lnSpc>
           <a:spcPct val="90000"/>
         </a:lnSpc>
         <a:spcBef>
-          <a:spcPts val="500"/>
+          <a:spcPts val="267"/>
         </a:spcBef>
         <a:buFont typeface="Arial" panose="020B0604020202020204" pitchFamily="34" charset="0"/>
         <a:buChar char="•"/>
-        <a:defRPr sz="2000" kern="1200">
+        <a:defRPr sz="1067" kern="1200">
           <a:solidFill>
             <a:schemeClr val="tx1"/>
           </a:solidFill>
@@ -2741,16 +3184,16 @@
           <a:cs typeface="+mn-cs"/>
         </a:defRPr>
       </a:lvl3pPr>
-      <a:lvl4pPr marL="1600200" indent="-228600" algn="l" defTabSz="914400" rtl="0" eaLnBrk="1" latinLnBrk="0" hangingPunct="1">
+      <a:lvl4pPr marL="853387" indent="-121912" algn="l" defTabSz="487650" rtl="0" eaLnBrk="1" latinLnBrk="0" hangingPunct="1">
         <a:lnSpc>
           <a:spcPct val="90000"/>
         </a:lnSpc>
         <a:spcBef>
-          <a:spcPts val="500"/>
+          <a:spcPts val="267"/>
         </a:spcBef>
         <a:buFont typeface="Arial" panose="020B0604020202020204" pitchFamily="34" charset="0"/>
         <a:buChar char="•"/>
-        <a:defRPr sz="1800" kern="1200">
+        <a:defRPr sz="960" kern="1200">
           <a:solidFill>
             <a:schemeClr val="tx1"/>
           </a:solidFill>
@@ -2759,16 +3202,16 @@
           <a:cs typeface="+mn-cs"/>
         </a:defRPr>
       </a:lvl4pPr>
-      <a:lvl5pPr marL="2057400" indent="-228600" algn="l" defTabSz="914400" rtl="0" eaLnBrk="1" latinLnBrk="0" hangingPunct="1">
+      <a:lvl5pPr marL="1097211" indent="-121912" algn="l" defTabSz="487650" rtl="0" eaLnBrk="1" latinLnBrk="0" hangingPunct="1">
         <a:lnSpc>
           <a:spcPct val="90000"/>
         </a:lnSpc>
         <a:spcBef>
-          <a:spcPts val="500"/>
+          <a:spcPts val="267"/>
         </a:spcBef>
         <a:buFont typeface="Arial" panose="020B0604020202020204" pitchFamily="34" charset="0"/>
         <a:buChar char="•"/>
-        <a:defRPr sz="1800" kern="1200">
+        <a:defRPr sz="960" kern="1200">
           <a:solidFill>
             <a:schemeClr val="tx1"/>
           </a:solidFill>
@@ -2777,16 +3220,16 @@
           <a:cs typeface="+mn-cs"/>
         </a:defRPr>
       </a:lvl5pPr>
-      <a:lvl6pPr marL="2514600" indent="-228600" algn="l" defTabSz="914400" rtl="0" eaLnBrk="1" latinLnBrk="0" hangingPunct="1">
+      <a:lvl6pPr marL="1341036" indent="-121912" algn="l" defTabSz="487650" rtl="0" eaLnBrk="1" latinLnBrk="0" hangingPunct="1">
         <a:lnSpc>
           <a:spcPct val="90000"/>
         </a:lnSpc>
         <a:spcBef>
-          <a:spcPts val="500"/>
+          <a:spcPts val="267"/>
         </a:spcBef>
         <a:buFont typeface="Arial" panose="020B0604020202020204" pitchFamily="34" charset="0"/>
         <a:buChar char="•"/>
-        <a:defRPr sz="1800" kern="1200">
+        <a:defRPr sz="960" kern="1200">
           <a:solidFill>
             <a:schemeClr val="tx1"/>
           </a:solidFill>
@@ -2795,16 +3238,16 @@
           <a:cs typeface="+mn-cs"/>
         </a:defRPr>
       </a:lvl6pPr>
-      <a:lvl7pPr marL="2971800" indent="-228600" algn="l" defTabSz="914400" rtl="0" eaLnBrk="1" latinLnBrk="0" hangingPunct="1">
+      <a:lvl7pPr marL="1584861" indent="-121912" algn="l" defTabSz="487650" rtl="0" eaLnBrk="1" latinLnBrk="0" hangingPunct="1">
         <a:lnSpc>
           <a:spcPct val="90000"/>
         </a:lnSpc>
         <a:spcBef>
-          <a:spcPts val="500"/>
+          <a:spcPts val="267"/>
         </a:spcBef>
         <a:buFont typeface="Arial" panose="020B0604020202020204" pitchFamily="34" charset="0"/>
         <a:buChar char="•"/>
-        <a:defRPr sz="1800" kern="1200">
+        <a:defRPr sz="960" kern="1200">
           <a:solidFill>
             <a:schemeClr val="tx1"/>
           </a:solidFill>
@@ -2813,16 +3256,16 @@
           <a:cs typeface="+mn-cs"/>
         </a:defRPr>
       </a:lvl7pPr>
-      <a:lvl8pPr marL="3429000" indent="-228600" algn="l" defTabSz="914400" rtl="0" eaLnBrk="1" latinLnBrk="0" hangingPunct="1">
+      <a:lvl8pPr marL="1828686" indent="-121912" algn="l" defTabSz="487650" rtl="0" eaLnBrk="1" latinLnBrk="0" hangingPunct="1">
         <a:lnSpc>
           <a:spcPct val="90000"/>
         </a:lnSpc>
         <a:spcBef>
-          <a:spcPts val="500"/>
+          <a:spcPts val="267"/>
         </a:spcBef>
         <a:buFont typeface="Arial" panose="020B0604020202020204" pitchFamily="34" charset="0"/>
         <a:buChar char="•"/>
-        <a:defRPr sz="1800" kern="1200">
+        <a:defRPr sz="960" kern="1200">
           <a:solidFill>
             <a:schemeClr val="tx1"/>
           </a:solidFill>
@@ -2831,16 +3274,16 @@
           <a:cs typeface="+mn-cs"/>
         </a:defRPr>
       </a:lvl8pPr>
-      <a:lvl9pPr marL="3886200" indent="-228600" algn="l" defTabSz="914400" rtl="0" eaLnBrk="1" latinLnBrk="0" hangingPunct="1">
+      <a:lvl9pPr marL="2072510" indent="-121912" algn="l" defTabSz="487650" rtl="0" eaLnBrk="1" latinLnBrk="0" hangingPunct="1">
         <a:lnSpc>
           <a:spcPct val="90000"/>
         </a:lnSpc>
         <a:spcBef>
-          <a:spcPts val="500"/>
+          <a:spcPts val="267"/>
         </a:spcBef>
         <a:buFont typeface="Arial" panose="020B0604020202020204" pitchFamily="34" charset="0"/>
         <a:buChar char="•"/>
-        <a:defRPr sz="1800" kern="1200">
+        <a:defRPr sz="960" kern="1200">
           <a:solidFill>
             <a:schemeClr val="tx1"/>
           </a:solidFill>
@@ -2854,8 +3297,8 @@
       <a:defPPr>
         <a:defRPr lang="en-US"/>
       </a:defPPr>
-      <a:lvl1pPr marL="0" algn="l" defTabSz="914400" rtl="0" eaLnBrk="1" latinLnBrk="0" hangingPunct="1">
-        <a:defRPr sz="1800" kern="1200">
+      <a:lvl1pPr marL="0" algn="l" defTabSz="487650" rtl="0" eaLnBrk="1" latinLnBrk="0" hangingPunct="1">
+        <a:defRPr sz="960" kern="1200">
           <a:solidFill>
             <a:schemeClr val="tx1"/>
           </a:solidFill>
@@ -2864,8 +3307,8 @@
           <a:cs typeface="+mn-cs"/>
         </a:defRPr>
       </a:lvl1pPr>
-      <a:lvl2pPr marL="457200" algn="l" defTabSz="914400" rtl="0" eaLnBrk="1" latinLnBrk="0" hangingPunct="1">
-        <a:defRPr sz="1800" kern="1200">
+      <a:lvl2pPr marL="243825" algn="l" defTabSz="487650" rtl="0" eaLnBrk="1" latinLnBrk="0" hangingPunct="1">
+        <a:defRPr sz="960" kern="1200">
           <a:solidFill>
             <a:schemeClr val="tx1"/>
           </a:solidFill>
@@ -2874,8 +3317,8 @@
           <a:cs typeface="+mn-cs"/>
         </a:defRPr>
       </a:lvl2pPr>
-      <a:lvl3pPr marL="914400" algn="l" defTabSz="914400" rtl="0" eaLnBrk="1" latinLnBrk="0" hangingPunct="1">
-        <a:defRPr sz="1800" kern="1200">
+      <a:lvl3pPr marL="487650" algn="l" defTabSz="487650" rtl="0" eaLnBrk="1" latinLnBrk="0" hangingPunct="1">
+        <a:defRPr sz="960" kern="1200">
           <a:solidFill>
             <a:schemeClr val="tx1"/>
           </a:solidFill>
@@ -2884,8 +3327,8 @@
           <a:cs typeface="+mn-cs"/>
         </a:defRPr>
       </a:lvl3pPr>
-      <a:lvl4pPr marL="1371600" algn="l" defTabSz="914400" rtl="0" eaLnBrk="1" latinLnBrk="0" hangingPunct="1">
-        <a:defRPr sz="1800" kern="1200">
+      <a:lvl4pPr marL="731474" algn="l" defTabSz="487650" rtl="0" eaLnBrk="1" latinLnBrk="0" hangingPunct="1">
+        <a:defRPr sz="960" kern="1200">
           <a:solidFill>
             <a:schemeClr val="tx1"/>
           </a:solidFill>
@@ -2894,8 +3337,8 @@
           <a:cs typeface="+mn-cs"/>
         </a:defRPr>
       </a:lvl4pPr>
-      <a:lvl5pPr marL="1828800" algn="l" defTabSz="914400" rtl="0" eaLnBrk="1" latinLnBrk="0" hangingPunct="1">
-        <a:defRPr sz="1800" kern="1200">
+      <a:lvl5pPr marL="975299" algn="l" defTabSz="487650" rtl="0" eaLnBrk="1" latinLnBrk="0" hangingPunct="1">
+        <a:defRPr sz="960" kern="1200">
           <a:solidFill>
             <a:schemeClr val="tx1"/>
           </a:solidFill>
@@ -2904,8 +3347,8 @@
           <a:cs typeface="+mn-cs"/>
         </a:defRPr>
       </a:lvl5pPr>
-      <a:lvl6pPr marL="2286000" algn="l" defTabSz="914400" rtl="0" eaLnBrk="1" latinLnBrk="0" hangingPunct="1">
-        <a:defRPr sz="1800" kern="1200">
+      <a:lvl6pPr marL="1219124" algn="l" defTabSz="487650" rtl="0" eaLnBrk="1" latinLnBrk="0" hangingPunct="1">
+        <a:defRPr sz="960" kern="1200">
           <a:solidFill>
             <a:schemeClr val="tx1"/>
           </a:solidFill>
@@ -2914,8 +3357,8 @@
           <a:cs typeface="+mn-cs"/>
         </a:defRPr>
       </a:lvl6pPr>
-      <a:lvl7pPr marL="2743200" algn="l" defTabSz="914400" rtl="0" eaLnBrk="1" latinLnBrk="0" hangingPunct="1">
-        <a:defRPr sz="1800" kern="1200">
+      <a:lvl7pPr marL="1462949" algn="l" defTabSz="487650" rtl="0" eaLnBrk="1" latinLnBrk="0" hangingPunct="1">
+        <a:defRPr sz="960" kern="1200">
           <a:solidFill>
             <a:schemeClr val="tx1"/>
           </a:solidFill>
@@ -2924,8 +3367,8 @@
           <a:cs typeface="+mn-cs"/>
         </a:defRPr>
       </a:lvl7pPr>
-      <a:lvl8pPr marL="3200400" algn="l" defTabSz="914400" rtl="0" eaLnBrk="1" latinLnBrk="0" hangingPunct="1">
-        <a:defRPr sz="1800" kern="1200">
+      <a:lvl8pPr marL="1706773" algn="l" defTabSz="487650" rtl="0" eaLnBrk="1" latinLnBrk="0" hangingPunct="1">
+        <a:defRPr sz="960" kern="1200">
           <a:solidFill>
             <a:schemeClr val="tx1"/>
           </a:solidFill>
@@ -2934,8 +3377,8 @@
           <a:cs typeface="+mn-cs"/>
         </a:defRPr>
       </a:lvl8pPr>
-      <a:lvl9pPr marL="3657600" algn="l" defTabSz="914400" rtl="0" eaLnBrk="1" latinLnBrk="0" hangingPunct="1">
-        <a:defRPr sz="1800" kern="1200">
+      <a:lvl9pPr marL="1950598" algn="l" defTabSz="487650" rtl="0" eaLnBrk="1" latinLnBrk="0" hangingPunct="1">
+        <a:defRPr sz="960" kern="1200">
           <a:solidFill>
             <a:schemeClr val="tx1"/>
           </a:solidFill>
@@ -2968,10 +3411,10 @@
       </p:grpSpPr>
       <p:pic>
         <p:nvPicPr>
-          <p:cNvPr id="5" name="Picture 4">
+          <p:cNvPr id="3" name="Picture 2">
             <a:extLst>
               <a:ext uri="{FF2B5EF4-FFF2-40B4-BE49-F238E27FC236}">
-                <a16:creationId xmlns:a16="http://schemas.microsoft.com/office/drawing/2014/main" id="{016B8BC2-082F-AF44-AA52-4350A88AC7E7}"/>
+                <a16:creationId xmlns:a16="http://schemas.microsoft.com/office/drawing/2014/main" id="{46F33E40-D0CD-9442-91B1-6EBE8CA9A1C0}"/>
               </a:ext>
             </a:extLst>
           </p:cNvPr>
@@ -2981,15 +3424,15 @@
           <p:nvPr/>
         </p:nvPicPr>
         <p:blipFill>
-          <a:blip r:embed="rId2"/>
+          <a:blip r:embed="rId3"/>
           <a:stretch>
             <a:fillRect/>
           </a:stretch>
         </p:blipFill>
         <p:spPr>
           <a:xfrm>
-            <a:off x="34191" y="0"/>
-            <a:ext cx="10452833" cy="6858000"/>
+            <a:off x="0" y="55650"/>
+            <a:ext cx="8229600" cy="3568700"/>
           </a:xfrm>
           <a:prstGeom prst="rect">
             <a:avLst/>
@@ -3010,8 +3453,8 @@
         </p:nvSpPr>
         <p:spPr>
           <a:xfrm>
-            <a:off x="1648680" y="4872037"/>
-            <a:ext cx="1806905" cy="523220"/>
+            <a:off x="1462776" y="1992774"/>
+            <a:ext cx="1338828" cy="400110"/>
           </a:xfrm>
           <a:prstGeom prst="rect">
             <a:avLst/>
@@ -3026,7 +3469,7 @@
           <a:p>
             <a:pPr algn="ctr"/>
             <a:r>
-              <a:rPr lang="en-US" sz="1400" dirty="0">
+              <a:rPr lang="en-US" sz="1000" dirty="0">
                 <a:solidFill>
                   <a:srgbClr val="4770EB"/>
                 </a:solidFill>
@@ -3036,7 +3479,7 @@
               <a:t>S1 nonsynonymous:</a:t>
             </a:r>
             <a:br>
-              <a:rPr lang="en-US" sz="1400" dirty="0">
+              <a:rPr lang="en-US" sz="1000" dirty="0">
                 <a:solidFill>
                   <a:srgbClr val="4770EB"/>
                 </a:solidFill>
@@ -3045,14 +3488,14 @@
               </a:rPr>
             </a:br>
             <a:r>
-              <a:rPr lang="en-US" sz="1400" dirty="0">
+              <a:rPr lang="en-US" sz="1000" dirty="0">
                 <a:solidFill>
                   <a:srgbClr val="4770EB"/>
                 </a:solidFill>
                 <a:latin typeface="Arial" panose="020B0604020202020204" pitchFamily="34" charset="0"/>
                 <a:cs typeface="Arial" panose="020B0604020202020204" pitchFamily="34" charset="0"/>
               </a:rPr>
-              <a:t>304 mutations</a:t>
+              <a:t>353 mutations</a:t>
             </a:r>
           </a:p>
         </p:txBody>
@@ -3071,8 +3514,8 @@
         </p:nvSpPr>
         <p:spPr>
           <a:xfrm>
-            <a:off x="6026478" y="309565"/>
-            <a:ext cx="2045753" cy="523220"/>
+            <a:off x="3857055" y="282806"/>
+            <a:ext cx="1510349" cy="400110"/>
           </a:xfrm>
           <a:prstGeom prst="rect">
             <a:avLst/>
@@ -3087,7 +3530,7 @@
           <a:p>
             <a:pPr algn="ctr"/>
             <a:r>
-              <a:rPr lang="en-US" sz="1400" dirty="0">
+              <a:rPr lang="en-US" sz="1000" dirty="0">
                 <a:solidFill>
                   <a:srgbClr val="FF8C3A"/>
                 </a:solidFill>
@@ -3097,7 +3540,7 @@
               <a:t>RdRp nonsynonymous:</a:t>
             </a:r>
             <a:br>
-              <a:rPr lang="en-US" sz="1400" dirty="0">
+              <a:rPr lang="en-US" sz="1000" dirty="0">
                 <a:solidFill>
                   <a:srgbClr val="FF8C3A"/>
                 </a:solidFill>
@@ -3106,14 +3549,14 @@
               </a:rPr>
             </a:br>
             <a:r>
-              <a:rPr lang="en-US" sz="1400" dirty="0">
+              <a:rPr lang="en-US" sz="1000" dirty="0">
                 <a:solidFill>
                   <a:srgbClr val="FF8C3A"/>
                 </a:solidFill>
                 <a:latin typeface="Arial" panose="020B0604020202020204" pitchFamily="34" charset="0"/>
                 <a:cs typeface="Arial" panose="020B0604020202020204" pitchFamily="34" charset="0"/>
               </a:rPr>
-              <a:t>85 mutations</a:t>
+              <a:t>101 mutations</a:t>
             </a:r>
           </a:p>
         </p:txBody>
@@ -3132,8 +3575,8 @@
         </p:nvSpPr>
         <p:spPr>
           <a:xfrm>
-            <a:off x="8833395" y="309565"/>
-            <a:ext cx="1508747" cy="523220"/>
+            <a:off x="4476452" y="620570"/>
+            <a:ext cx="1127232" cy="400110"/>
           </a:xfrm>
           <a:prstGeom prst="rect">
             <a:avLst/>
@@ -3148,7 +3591,7 @@
           <a:p>
             <a:pPr algn="ctr"/>
             <a:r>
-              <a:rPr lang="en-US" sz="1400" dirty="0">
+              <a:rPr lang="en-US" sz="1000" dirty="0">
                 <a:solidFill>
                   <a:srgbClr val="5094E3"/>
                 </a:solidFill>
@@ -3158,7 +3601,7 @@
               <a:t>S1 synonymous:</a:t>
             </a:r>
             <a:br>
-              <a:rPr lang="en-US" sz="1400" dirty="0">
+              <a:rPr lang="en-US" sz="1000" dirty="0">
                 <a:solidFill>
                   <a:srgbClr val="5094E3"/>
                 </a:solidFill>
@@ -3167,14 +3610,14 @@
               </a:rPr>
             </a:br>
             <a:r>
-              <a:rPr lang="en-US" sz="1400" dirty="0">
+              <a:rPr lang="en-US" sz="1000" dirty="0">
                 <a:solidFill>
                   <a:srgbClr val="5094E3"/>
                 </a:solidFill>
                 <a:latin typeface="Arial" panose="020B0604020202020204" pitchFamily="34" charset="0"/>
                 <a:cs typeface="Arial" panose="020B0604020202020204" pitchFamily="34" charset="0"/>
               </a:rPr>
-              <a:t>111 mutations</a:t>
+              <a:t>104 mutations</a:t>
             </a:r>
           </a:p>
         </p:txBody>
@@ -3451,4 +3894,299 @@
     </a:ext>
   </a:extLst>
 </a:theme>
+</file>
+
+<file path=ppt/theme/theme2.xml><?xml version="1.0" encoding="utf-8"?>
+<a:theme xmlns:a="http://schemas.openxmlformats.org/drawingml/2006/main" name="Office Theme">
+  <a:themeElements>
+    <a:clrScheme name="Office">
+      <a:dk1>
+        <a:sysClr val="windowText" lastClr="000000"/>
+      </a:dk1>
+      <a:lt1>
+        <a:sysClr val="window" lastClr="FFFFFF"/>
+      </a:lt1>
+      <a:dk2>
+        <a:srgbClr val="44546A"/>
+      </a:dk2>
+      <a:lt2>
+        <a:srgbClr val="E7E6E6"/>
+      </a:lt2>
+      <a:accent1>
+        <a:srgbClr val="4472C4"/>
+      </a:accent1>
+      <a:accent2>
+        <a:srgbClr val="ED7D31"/>
+      </a:accent2>
+      <a:accent3>
+        <a:srgbClr val="A5A5A5"/>
+      </a:accent3>
+      <a:accent4>
+        <a:srgbClr val="FFC000"/>
+      </a:accent4>
+      <a:accent5>
+        <a:srgbClr val="5B9BD5"/>
+      </a:accent5>
+      <a:accent6>
+        <a:srgbClr val="70AD47"/>
+      </a:accent6>
+      <a:hlink>
+        <a:srgbClr val="0563C1"/>
+      </a:hlink>
+      <a:folHlink>
+        <a:srgbClr val="954F72"/>
+      </a:folHlink>
+    </a:clrScheme>
+    <a:fontScheme name="Office">
+      <a:majorFont>
+        <a:latin typeface="Calibri Light" panose="020F0302020204030204"/>
+        <a:ea typeface=""/>
+        <a:cs typeface=""/>
+        <a:font script="Jpan" typeface="游ゴシック Light"/>
+        <a:font script="Hang" typeface="맑은 고딕"/>
+        <a:font script="Hans" typeface="等线 Light"/>
+        <a:font script="Hant" typeface="新細明體"/>
+        <a:font script="Arab" typeface="Times New Roman"/>
+        <a:font script="Hebr" typeface="Times New Roman"/>
+        <a:font script="Thai" typeface="Angsana New"/>
+        <a:font script="Ethi" typeface="Nyala"/>
+        <a:font script="Beng" typeface="Vrinda"/>
+        <a:font script="Gujr" typeface="Shruti"/>
+        <a:font script="Khmr" typeface="MoolBoran"/>
+        <a:font script="Knda" typeface="Tunga"/>
+        <a:font script="Guru" typeface="Raavi"/>
+        <a:font script="Cans" typeface="Euphemia"/>
+        <a:font script="Cher" typeface="Plantagenet Cherokee"/>
+        <a:font script="Yiii" typeface="Microsoft Yi Baiti"/>
+        <a:font script="Tibt" typeface="Microsoft Himalaya"/>
+        <a:font script="Thaa" typeface="MV Boli"/>
+        <a:font script="Deva" typeface="Mangal"/>
+        <a:font script="Telu" typeface="Gautami"/>
+        <a:font script="Taml" typeface="Latha"/>
+        <a:font script="Syrc" typeface="Estrangelo Edessa"/>
+        <a:font script="Orya" typeface="Kalinga"/>
+        <a:font script="Mlym" typeface="Kartika"/>
+        <a:font script="Laoo" typeface="DokChampa"/>
+        <a:font script="Sinh" typeface="Iskoola Pota"/>
+        <a:font script="Mong" typeface="Mongolian Baiti"/>
+        <a:font script="Viet" typeface="Times New Roman"/>
+        <a:font script="Uigh" typeface="Microsoft Uighur"/>
+        <a:font script="Geor" typeface="Sylfaen"/>
+        <a:font script="Armn" typeface="Arial"/>
+        <a:font script="Bugi" typeface="Leelawadee UI"/>
+        <a:font script="Bopo" typeface="Microsoft JhengHei"/>
+        <a:font script="Java" typeface="Javanese Text"/>
+        <a:font script="Lisu" typeface="Segoe UI"/>
+        <a:font script="Mymr" typeface="Myanmar Text"/>
+        <a:font script="Nkoo" typeface="Ebrima"/>
+        <a:font script="Olck" typeface="Nirmala UI"/>
+        <a:font script="Osma" typeface="Ebrima"/>
+        <a:font script="Phag" typeface="Phagspa"/>
+        <a:font script="Syrn" typeface="Estrangelo Edessa"/>
+        <a:font script="Syrj" typeface="Estrangelo Edessa"/>
+        <a:font script="Syre" typeface="Estrangelo Edessa"/>
+        <a:font script="Sora" typeface="Nirmala UI"/>
+        <a:font script="Tale" typeface="Microsoft Tai Le"/>
+        <a:font script="Talu" typeface="Microsoft New Tai Lue"/>
+        <a:font script="Tfng" typeface="Ebrima"/>
+      </a:majorFont>
+      <a:minorFont>
+        <a:latin typeface="Calibri" panose="020F0502020204030204"/>
+        <a:ea typeface=""/>
+        <a:cs typeface=""/>
+        <a:font script="Jpan" typeface="游ゴシック"/>
+        <a:font script="Hang" typeface="맑은 고딕"/>
+        <a:font script="Hans" typeface="等线"/>
+        <a:font script="Hant" typeface="新細明體"/>
+        <a:font script="Arab" typeface="Arial"/>
+        <a:font script="Hebr" typeface="Arial"/>
+        <a:font script="Thai" typeface="Cordia New"/>
+        <a:font script="Ethi" typeface="Nyala"/>
+        <a:font script="Beng" typeface="Vrinda"/>
+        <a:font script="Gujr" typeface="Shruti"/>
+        <a:font script="Khmr" typeface="DaunPenh"/>
+        <a:font script="Knda" typeface="Tunga"/>
+        <a:font script="Guru" typeface="Raavi"/>
+        <a:font script="Cans" typeface="Euphemia"/>
+        <a:font script="Cher" typeface="Plantagenet Cherokee"/>
+        <a:font script="Yiii" typeface="Microsoft Yi Baiti"/>
+        <a:font script="Tibt" typeface="Microsoft Himalaya"/>
+        <a:font script="Thaa" typeface="MV Boli"/>
+        <a:font script="Deva" typeface="Mangal"/>
+        <a:font script="Telu" typeface="Gautami"/>
+        <a:font script="Taml" typeface="Latha"/>
+        <a:font script="Syrc" typeface="Estrangelo Edessa"/>
+        <a:font script="Orya" typeface="Kalinga"/>
+        <a:font script="Mlym" typeface="Kartika"/>
+        <a:font script="Laoo" typeface="DokChampa"/>
+        <a:font script="Sinh" typeface="Iskoola Pota"/>
+        <a:font script="Mong" typeface="Mongolian Baiti"/>
+        <a:font script="Viet" typeface="Arial"/>
+        <a:font script="Uigh" typeface="Microsoft Uighur"/>
+        <a:font script="Geor" typeface="Sylfaen"/>
+        <a:font script="Armn" typeface="Arial"/>
+        <a:font script="Bugi" typeface="Leelawadee UI"/>
+        <a:font script="Bopo" typeface="Microsoft JhengHei"/>
+        <a:font script="Java" typeface="Javanese Text"/>
+        <a:font script="Lisu" typeface="Segoe UI"/>
+        <a:font script="Mymr" typeface="Myanmar Text"/>
+        <a:font script="Nkoo" typeface="Ebrima"/>
+        <a:font script="Olck" typeface="Nirmala UI"/>
+        <a:font script="Osma" typeface="Ebrima"/>
+        <a:font script="Phag" typeface="Phagspa"/>
+        <a:font script="Syrn" typeface="Estrangelo Edessa"/>
+        <a:font script="Syrj" typeface="Estrangelo Edessa"/>
+        <a:font script="Syre" typeface="Estrangelo Edessa"/>
+        <a:font script="Sora" typeface="Nirmala UI"/>
+        <a:font script="Tale" typeface="Microsoft Tai Le"/>
+        <a:font script="Talu" typeface="Microsoft New Tai Lue"/>
+        <a:font script="Tfng" typeface="Ebrima"/>
+      </a:minorFont>
+    </a:fontScheme>
+    <a:fmtScheme name="Office">
+      <a:fillStyleLst>
+        <a:solidFill>
+          <a:schemeClr val="phClr"/>
+        </a:solidFill>
+        <a:gradFill rotWithShape="1">
+          <a:gsLst>
+            <a:gs pos="0">
+              <a:schemeClr val="phClr">
+                <a:lumMod val="110000"/>
+                <a:satMod val="105000"/>
+                <a:tint val="67000"/>
+              </a:schemeClr>
+            </a:gs>
+            <a:gs pos="50000">
+              <a:schemeClr val="phClr">
+                <a:lumMod val="105000"/>
+                <a:satMod val="103000"/>
+                <a:tint val="73000"/>
+              </a:schemeClr>
+            </a:gs>
+            <a:gs pos="100000">
+              <a:schemeClr val="phClr">
+                <a:lumMod val="105000"/>
+                <a:satMod val="109000"/>
+                <a:tint val="81000"/>
+              </a:schemeClr>
+            </a:gs>
+          </a:gsLst>
+          <a:lin ang="5400000" scaled="0"/>
+        </a:gradFill>
+        <a:gradFill rotWithShape="1">
+          <a:gsLst>
+            <a:gs pos="0">
+              <a:schemeClr val="phClr">
+                <a:satMod val="103000"/>
+                <a:lumMod val="102000"/>
+                <a:tint val="94000"/>
+              </a:schemeClr>
+            </a:gs>
+            <a:gs pos="50000">
+              <a:schemeClr val="phClr">
+                <a:satMod val="110000"/>
+                <a:lumMod val="100000"/>
+                <a:shade val="100000"/>
+              </a:schemeClr>
+            </a:gs>
+            <a:gs pos="100000">
+              <a:schemeClr val="phClr">
+                <a:lumMod val="99000"/>
+                <a:satMod val="120000"/>
+                <a:shade val="78000"/>
+              </a:schemeClr>
+            </a:gs>
+          </a:gsLst>
+          <a:lin ang="5400000" scaled="0"/>
+        </a:gradFill>
+      </a:fillStyleLst>
+      <a:lnStyleLst>
+        <a:ln w="6350" cap="flat" cmpd="sng" algn="ctr">
+          <a:solidFill>
+            <a:schemeClr val="phClr"/>
+          </a:solidFill>
+          <a:prstDash val="solid"/>
+          <a:miter lim="800000"/>
+        </a:ln>
+        <a:ln w="12700" cap="flat" cmpd="sng" algn="ctr">
+          <a:solidFill>
+            <a:schemeClr val="phClr"/>
+          </a:solidFill>
+          <a:prstDash val="solid"/>
+          <a:miter lim="800000"/>
+        </a:ln>
+        <a:ln w="19050" cap="flat" cmpd="sng" algn="ctr">
+          <a:solidFill>
+            <a:schemeClr val="phClr"/>
+          </a:solidFill>
+          <a:prstDash val="solid"/>
+          <a:miter lim="800000"/>
+        </a:ln>
+      </a:lnStyleLst>
+      <a:effectStyleLst>
+        <a:effectStyle>
+          <a:effectLst/>
+        </a:effectStyle>
+        <a:effectStyle>
+          <a:effectLst/>
+        </a:effectStyle>
+        <a:effectStyle>
+          <a:effectLst>
+            <a:outerShdw blurRad="57150" dist="19050" dir="5400000" algn="ctr" rotWithShape="0">
+              <a:srgbClr val="000000">
+                <a:alpha val="63000"/>
+              </a:srgbClr>
+            </a:outerShdw>
+          </a:effectLst>
+        </a:effectStyle>
+      </a:effectStyleLst>
+      <a:bgFillStyleLst>
+        <a:solidFill>
+          <a:schemeClr val="phClr"/>
+        </a:solidFill>
+        <a:solidFill>
+          <a:schemeClr val="phClr">
+            <a:tint val="95000"/>
+            <a:satMod val="170000"/>
+          </a:schemeClr>
+        </a:solidFill>
+        <a:gradFill rotWithShape="1">
+          <a:gsLst>
+            <a:gs pos="0">
+              <a:schemeClr val="phClr">
+                <a:tint val="93000"/>
+                <a:satMod val="150000"/>
+                <a:shade val="98000"/>
+                <a:lumMod val="102000"/>
+              </a:schemeClr>
+            </a:gs>
+            <a:gs pos="50000">
+              <a:schemeClr val="phClr">
+                <a:tint val="98000"/>
+                <a:satMod val="130000"/>
+                <a:shade val="90000"/>
+                <a:lumMod val="103000"/>
+              </a:schemeClr>
+            </a:gs>
+            <a:gs pos="100000">
+              <a:schemeClr val="phClr">
+                <a:shade val="63000"/>
+                <a:satMod val="120000"/>
+              </a:schemeClr>
+            </a:gs>
+          </a:gsLst>
+          <a:lin ang="5400000" scaled="0"/>
+        </a:gradFill>
+      </a:bgFillStyleLst>
+    </a:fmtScheme>
+  </a:themeElements>
+  <a:objectDefaults/>
+  <a:extraClrSchemeLst/>
+  <a:extLst>
+    <a:ext uri="{05A4C25C-085E-4340-85A3-A5531E510DB2}">
+      <thm15:themeFamily xmlns:thm15="http://schemas.microsoft.com/office/thememl/2012/main" name="Office Theme" id="{62F939B6-93AF-4DB8-9C6B-D6C7DFDC589F}" vid="{4A3C46E8-61CC-4603-A589-7422A47A8E4A}"/>
+    </a:ext>
+  </a:extLst>
+</a:theme>
 </file>